--- a/doc/Presentación/Generador de informes RFESS.pptx
+++ b/doc/Presentación/Generador de informes RFESS.pptx
@@ -5,10 +5,10 @@
     <p:sldMasterId id="2147483660" r:id="rId4"/>
   </p:sldMasterIdLst>
   <p:notesMasterIdLst>
-    <p:notesMasterId r:id="rId19"/>
+    <p:notesMasterId r:id="rId22"/>
   </p:notesMasterIdLst>
   <p:handoutMasterIdLst>
-    <p:handoutMasterId r:id="rId20"/>
+    <p:handoutMasterId r:id="rId23"/>
   </p:handoutMasterIdLst>
   <p:sldIdLst>
     <p:sldId id="257" r:id="rId5"/>
@@ -25,6 +25,9 @@
     <p:sldId id="283" r:id="rId16"/>
     <p:sldId id="284" r:id="rId17"/>
     <p:sldId id="285" r:id="rId18"/>
+    <p:sldId id="267" r:id="rId19"/>
+    <p:sldId id="286" r:id="rId20"/>
+    <p:sldId id="287" r:id="rId21"/>
   </p:sldIdLst>
   <p:sldSz cx="12188825" cy="6858000"/>
   <p:notesSz cx="6858000" cy="9144000"/>
@@ -156,6 +159,952 @@
 </p:presentation>
 </file>
 
+<file path=ppt/charts/chart1.xml><?xml version="1.0" encoding="utf-8"?>
+<c:chartSpace xmlns:c="http://schemas.openxmlformats.org/drawingml/2006/chart" xmlns:a="http://schemas.openxmlformats.org/drawingml/2006/main" xmlns:r="http://schemas.openxmlformats.org/officeDocument/2006/relationships" xmlns:c16r2="http://schemas.microsoft.com/office/drawing/2015/06/chart">
+  <c:date1904 val="0"/>
+  <c:lang val="es-ES"/>
+  <c:roundedCorners val="0"/>
+  <mc:AlternateContent xmlns:mc="http://schemas.openxmlformats.org/markup-compatibility/2006">
+    <mc:Choice xmlns:c14="http://schemas.microsoft.com/office/drawing/2007/8/2/chart" Requires="c14">
+      <c14:style val="102"/>
+    </mc:Choice>
+    <mc:Fallback>
+      <c:style val="2"/>
+    </mc:Fallback>
+  </mc:AlternateContent>
+  <c:chart>
+    <c:autoTitleDeleted val="1"/>
+    <c:plotArea>
+      <c:layout/>
+      <c:barChart>
+        <c:barDir val="bar"/>
+        <c:grouping val="stacked"/>
+        <c:varyColors val="0"/>
+        <c:ser>
+          <c:idx val="1"/>
+          <c:order val="0"/>
+          <c:tx>
+            <c:strRef>
+              <c:f>Hoja1!$C$1</c:f>
+              <c:strCache>
+                <c:ptCount val="1"/>
+                <c:pt idx="0">
+                  <c:v>FECHA FINAL</c:v>
+                </c:pt>
+              </c:strCache>
+            </c:strRef>
+          </c:tx>
+          <c:spPr>
+            <a:solidFill>
+              <a:schemeClr val="accent2">
+                <a:alpha val="70000"/>
+              </a:schemeClr>
+            </a:solidFill>
+            <a:ln>
+              <a:noFill/>
+            </a:ln>
+            <a:effectLst/>
+          </c:spPr>
+          <c:invertIfNegative val="0"/>
+          <c:cat>
+            <c:strRef>
+              <c:f>Hoja1!$A$2:$A$9</c:f>
+              <c:strCache>
+                <c:ptCount val="8"/>
+                <c:pt idx="0">
+                  <c:v>ANALISIS DEL PROYECTO</c:v>
+                </c:pt>
+                <c:pt idx="1">
+                  <c:v>DIAGRAMA DE FLUJO DE DATOS</c:v>
+                </c:pt>
+                <c:pt idx="2">
+                  <c:v>DISEÑO DE LA BASE DE DATOS</c:v>
+                </c:pt>
+                <c:pt idx="3">
+                  <c:v>DIAGRAMA DE CASOS DE USO</c:v>
+                </c:pt>
+                <c:pt idx="4">
+                  <c:v>IMPORTACIÓN DE FICHERO EXCEL</c:v>
+                </c:pt>
+                <c:pt idx="5">
+                  <c:v>GENERACIÓN DE INFORMES</c:v>
+                </c:pt>
+                <c:pt idx="6">
+                  <c:v>CREACIÓN DE CONSULTAS</c:v>
+                </c:pt>
+                <c:pt idx="7">
+                  <c:v>DISEÑO WEB</c:v>
+                </c:pt>
+              </c:strCache>
+            </c:strRef>
+          </c:cat>
+          <c:val>
+            <c:numRef>
+              <c:f>Hoja1!$C$2:$C$9</c:f>
+              <c:numCache>
+                <c:formatCode>m/d/yyyy</c:formatCode>
+                <c:ptCount val="8"/>
+                <c:pt idx="0">
+                  <c:v>43172</c:v>
+                </c:pt>
+                <c:pt idx="1">
+                  <c:v>43172</c:v>
+                </c:pt>
+                <c:pt idx="2">
+                  <c:v>43173</c:v>
+                </c:pt>
+                <c:pt idx="3">
+                  <c:v>43227</c:v>
+                </c:pt>
+                <c:pt idx="4">
+                  <c:v>43212</c:v>
+                </c:pt>
+                <c:pt idx="6">
+                  <c:v>43227</c:v>
+                </c:pt>
+              </c:numCache>
+            </c:numRef>
+          </c:val>
+          <c:extLst>
+            <c:ext xmlns:c16="http://schemas.microsoft.com/office/drawing/2014/chart" uri="{C3380CC4-5D6E-409C-BE32-E72D297353CC}">
+              <c16:uniqueId val="{00000001-5C85-44E4-8712-F769AFC53BE1}"/>
+            </c:ext>
+          </c:extLst>
+        </c:ser>
+        <c:ser>
+          <c:idx val="0"/>
+          <c:order val="1"/>
+          <c:tx>
+            <c:strRef>
+              <c:f>Hoja1!$E$1</c:f>
+              <c:strCache>
+                <c:ptCount val="1"/>
+                <c:pt idx="0">
+                  <c:v>Jornadas de trabajo</c:v>
+                </c:pt>
+              </c:strCache>
+            </c:strRef>
+          </c:tx>
+          <c:spPr>
+            <a:solidFill>
+              <a:schemeClr val="accent1">
+                <a:alpha val="70000"/>
+              </a:schemeClr>
+            </a:solidFill>
+            <a:ln>
+              <a:noFill/>
+            </a:ln>
+            <a:effectLst/>
+          </c:spPr>
+          <c:invertIfNegative val="0"/>
+          <c:cat>
+            <c:strRef>
+              <c:f>Hoja1!$A$2:$A$9</c:f>
+              <c:strCache>
+                <c:ptCount val="8"/>
+                <c:pt idx="0">
+                  <c:v>ANALISIS DEL PROYECTO</c:v>
+                </c:pt>
+                <c:pt idx="1">
+                  <c:v>DIAGRAMA DE FLUJO DE DATOS</c:v>
+                </c:pt>
+                <c:pt idx="2">
+                  <c:v>DISEÑO DE LA BASE DE DATOS</c:v>
+                </c:pt>
+                <c:pt idx="3">
+                  <c:v>DIAGRAMA DE CASOS DE USO</c:v>
+                </c:pt>
+                <c:pt idx="4">
+                  <c:v>IMPORTACIÓN DE FICHERO EXCEL</c:v>
+                </c:pt>
+                <c:pt idx="5">
+                  <c:v>GENERACIÓN DE INFORMES</c:v>
+                </c:pt>
+                <c:pt idx="6">
+                  <c:v>CREACIÓN DE CONSULTAS</c:v>
+                </c:pt>
+                <c:pt idx="7">
+                  <c:v>DISEÑO WEB</c:v>
+                </c:pt>
+              </c:strCache>
+            </c:strRef>
+          </c:cat>
+          <c:val>
+            <c:numRef>
+              <c:f>Hoja1!$E$2:$E$9</c:f>
+              <c:numCache>
+                <c:formatCode>General</c:formatCode>
+                <c:ptCount val="8"/>
+                <c:pt idx="0">
+                  <c:v>1</c:v>
+                </c:pt>
+                <c:pt idx="1">
+                  <c:v>1</c:v>
+                </c:pt>
+                <c:pt idx="2">
+                  <c:v>1</c:v>
+                </c:pt>
+                <c:pt idx="3">
+                  <c:v>1</c:v>
+                </c:pt>
+                <c:pt idx="4">
+                  <c:v>1</c:v>
+                </c:pt>
+                <c:pt idx="5">
+                  <c:v>0</c:v>
+                </c:pt>
+                <c:pt idx="6">
+                  <c:v>12</c:v>
+                </c:pt>
+                <c:pt idx="7">
+                  <c:v>0</c:v>
+                </c:pt>
+              </c:numCache>
+            </c:numRef>
+          </c:val>
+          <c:extLst>
+            <c:ext xmlns:c16="http://schemas.microsoft.com/office/drawing/2014/chart" uri="{C3380CC4-5D6E-409C-BE32-E72D297353CC}">
+              <c16:uniqueId val="{00000004-5C85-44E4-8712-F769AFC53BE1}"/>
+            </c:ext>
+          </c:extLst>
+        </c:ser>
+        <c:dLbls>
+          <c:dLblPos val="ctr"/>
+          <c:showLegendKey val="0"/>
+          <c:showVal val="0"/>
+          <c:showCatName val="0"/>
+          <c:showSerName val="0"/>
+          <c:showPercent val="0"/>
+          <c:showBubbleSize val="0"/>
+        </c:dLbls>
+        <c:gapWidth val="50"/>
+        <c:overlap val="100"/>
+        <c:axId val="105780607"/>
+        <c:axId val="105781439"/>
+      </c:barChart>
+      <c:catAx>
+        <c:axId val="105780607"/>
+        <c:scaling>
+          <c:orientation val="maxMin"/>
+        </c:scaling>
+        <c:delete val="0"/>
+        <c:axPos val="l"/>
+        <c:numFmt formatCode="General" sourceLinked="1"/>
+        <c:majorTickMark val="none"/>
+        <c:minorTickMark val="none"/>
+        <c:tickLblPos val="nextTo"/>
+        <c:spPr>
+          <a:noFill/>
+          <a:ln w="9525" cap="flat" cmpd="sng" algn="ctr">
+            <a:solidFill>
+              <a:schemeClr val="tx1">
+                <a:lumMod val="25000"/>
+                <a:lumOff val="75000"/>
+              </a:schemeClr>
+            </a:solidFill>
+            <a:round/>
+            <a:headEnd type="none" w="sm" len="sm"/>
+            <a:tailEnd type="none" w="sm" len="sm"/>
+          </a:ln>
+          <a:effectLst/>
+        </c:spPr>
+        <c:txPr>
+          <a:bodyPr rot="-60000000" spcFirstLastPara="1" vertOverflow="ellipsis" vert="horz" wrap="square" anchor="ctr" anchorCtr="1"/>
+          <a:lstStyle/>
+          <a:p>
+            <a:pPr>
+              <a:defRPr sz="1197" b="0" i="0" u="none" strike="noStrike" kern="1200" baseline="0">
+                <a:solidFill>
+                  <a:schemeClr val="tx1">
+                    <a:lumMod val="65000"/>
+                    <a:lumOff val="35000"/>
+                  </a:schemeClr>
+                </a:solidFill>
+                <a:latin typeface="+mn-lt"/>
+                <a:ea typeface="+mn-ea"/>
+                <a:cs typeface="+mn-cs"/>
+              </a:defRPr>
+            </a:pPr>
+            <a:endParaRPr lang="es-ES"/>
+          </a:p>
+        </c:txPr>
+        <c:crossAx val="105781439"/>
+        <c:crosses val="autoZero"/>
+        <c:auto val="1"/>
+        <c:lblAlgn val="ctr"/>
+        <c:lblOffset val="100"/>
+        <c:noMultiLvlLbl val="0"/>
+      </c:catAx>
+      <c:valAx>
+        <c:axId val="105781439"/>
+        <c:scaling>
+          <c:orientation val="minMax"/>
+          <c:max val="43255"/>
+          <c:min val="43171"/>
+        </c:scaling>
+        <c:delete val="0"/>
+        <c:axPos val="b"/>
+        <c:numFmt formatCode="[$-C0A]d\-mmm;@" sourceLinked="0"/>
+        <c:majorTickMark val="none"/>
+        <c:minorTickMark val="none"/>
+        <c:tickLblPos val="nextTo"/>
+        <c:spPr>
+          <a:noFill/>
+          <a:ln>
+            <a:noFill/>
+          </a:ln>
+          <a:effectLst/>
+        </c:spPr>
+        <c:txPr>
+          <a:bodyPr rot="-60000000" spcFirstLastPara="1" vertOverflow="ellipsis" vert="horz" wrap="square" anchor="ctr" anchorCtr="1"/>
+          <a:lstStyle/>
+          <a:p>
+            <a:pPr>
+              <a:defRPr sz="1197" b="0" i="0" u="none" strike="noStrike" kern="1200" baseline="0">
+                <a:solidFill>
+                  <a:schemeClr val="tx1">
+                    <a:lumMod val="65000"/>
+                    <a:lumOff val="35000"/>
+                  </a:schemeClr>
+                </a:solidFill>
+                <a:latin typeface="+mn-lt"/>
+                <a:ea typeface="+mn-ea"/>
+                <a:cs typeface="+mn-cs"/>
+              </a:defRPr>
+            </a:pPr>
+            <a:endParaRPr lang="es-ES"/>
+          </a:p>
+        </c:txPr>
+        <c:crossAx val="105780607"/>
+        <c:crosses val="max"/>
+        <c:crossBetween val="between"/>
+      </c:valAx>
+      <c:spPr>
+        <a:noFill/>
+        <a:ln>
+          <a:noFill/>
+        </a:ln>
+        <a:effectLst/>
+      </c:spPr>
+    </c:plotArea>
+    <c:plotVisOnly val="1"/>
+    <c:dispBlanksAs val="gap"/>
+    <c:showDLblsOverMax val="0"/>
+  </c:chart>
+  <c:spPr>
+    <a:noFill/>
+    <a:ln>
+      <a:noFill/>
+    </a:ln>
+    <a:effectLst/>
+  </c:spPr>
+  <c:txPr>
+    <a:bodyPr/>
+    <a:lstStyle/>
+    <a:p>
+      <a:pPr>
+        <a:defRPr/>
+      </a:pPr>
+      <a:endParaRPr lang="es-ES"/>
+    </a:p>
+  </c:txPr>
+  <c:externalData r:id="rId3">
+    <c:autoUpdate val="0"/>
+  </c:externalData>
+</c:chartSpace>
+</file>
+
+<file path=ppt/charts/colors1.xml><?xml version="1.0" encoding="utf-8"?>
+<cs:colorStyle xmlns:cs="http://schemas.microsoft.com/office/drawing/2012/chartStyle" xmlns:a="http://schemas.openxmlformats.org/drawingml/2006/main" meth="cycle" id="10">
+  <a:schemeClr val="accent1"/>
+  <a:schemeClr val="accent2"/>
+  <a:schemeClr val="accent3"/>
+  <a:schemeClr val="accent4"/>
+  <a:schemeClr val="accent5"/>
+  <a:schemeClr val="accent6"/>
+  <cs:variation/>
+  <cs:variation>
+    <a:lumMod val="60000"/>
+  </cs:variation>
+  <cs:variation>
+    <a:lumMod val="80000"/>
+    <a:lumOff val="20000"/>
+  </cs:variation>
+  <cs:variation>
+    <a:lumMod val="80000"/>
+  </cs:variation>
+  <cs:variation>
+    <a:lumMod val="60000"/>
+    <a:lumOff val="40000"/>
+  </cs:variation>
+  <cs:variation>
+    <a:lumMod val="50000"/>
+  </cs:variation>
+  <cs:variation>
+    <a:lumMod val="70000"/>
+    <a:lumOff val="30000"/>
+  </cs:variation>
+  <cs:variation>
+    <a:lumMod val="70000"/>
+  </cs:variation>
+  <cs:variation>
+    <a:lumMod val="50000"/>
+    <a:lumOff val="50000"/>
+  </cs:variation>
+</cs:colorStyle>
+</file>
+
+<file path=ppt/charts/style1.xml><?xml version="1.0" encoding="utf-8"?>
+<cs:chartStyle xmlns:cs="http://schemas.microsoft.com/office/drawing/2012/chartStyle" xmlns:a="http://schemas.openxmlformats.org/drawingml/2006/main" id="305">
+  <cs:axisTitle>
+    <cs:lnRef idx="0"/>
+    <cs:fillRef idx="0"/>
+    <cs:effectRef idx="0"/>
+    <cs:fontRef idx="minor">
+      <a:schemeClr val="tx1">
+        <a:lumMod val="65000"/>
+        <a:lumOff val="35000"/>
+      </a:schemeClr>
+    </cs:fontRef>
+    <cs:defRPr sz="1197" kern="1200" cap="all"/>
+  </cs:axisTitle>
+  <cs:categoryAxis>
+    <cs:lnRef idx="0"/>
+    <cs:fillRef idx="0"/>
+    <cs:effectRef idx="0"/>
+    <cs:fontRef idx="minor">
+      <a:schemeClr val="tx1">
+        <a:lumMod val="65000"/>
+        <a:lumOff val="35000"/>
+      </a:schemeClr>
+    </cs:fontRef>
+    <cs:spPr>
+      <a:ln w="9525" cap="flat" cmpd="sng" algn="ctr">
+        <a:solidFill>
+          <a:schemeClr val="tx1">
+            <a:lumMod val="25000"/>
+            <a:lumOff val="75000"/>
+          </a:schemeClr>
+        </a:solidFill>
+        <a:round/>
+        <a:headEnd type="none" w="sm" len="sm"/>
+        <a:tailEnd type="none" w="sm" len="sm"/>
+      </a:ln>
+    </cs:spPr>
+    <cs:defRPr sz="1197" kern="1200"/>
+  </cs:categoryAxis>
+  <cs:chartArea mods="allowNoFillOverride allowNoLineOverride">
+    <cs:lnRef idx="0"/>
+    <cs:fillRef idx="0"/>
+    <cs:effectRef idx="0"/>
+    <cs:fontRef idx="minor">
+      <a:schemeClr val="dk1"/>
+    </cs:fontRef>
+    <cs:spPr>
+      <a:solidFill>
+        <a:schemeClr val="bg1"/>
+      </a:solidFill>
+      <a:ln w="9525" cap="flat" cmpd="sng" algn="ctr">
+        <a:solidFill>
+          <a:schemeClr val="tx1">
+            <a:lumMod val="15000"/>
+            <a:lumOff val="85000"/>
+          </a:schemeClr>
+        </a:solidFill>
+        <a:round/>
+      </a:ln>
+    </cs:spPr>
+    <cs:defRPr sz="1197" kern="1200"/>
+  </cs:chartArea>
+  <cs:dataLabel>
+    <cs:lnRef idx="0"/>
+    <cs:fillRef idx="0"/>
+    <cs:effectRef idx="0"/>
+    <cs:fontRef idx="minor">
+      <a:schemeClr val="tx1">
+        <a:lumMod val="75000"/>
+        <a:lumOff val="25000"/>
+      </a:schemeClr>
+    </cs:fontRef>
+    <cs:defRPr sz="1197" kern="1200"/>
+  </cs:dataLabel>
+  <cs:dataLabelCallout>
+    <cs:lnRef idx="0"/>
+    <cs:fillRef idx="0"/>
+    <cs:effectRef idx="0"/>
+    <cs:fontRef idx="minor">
+      <a:schemeClr val="bg1"/>
+    </cs:fontRef>
+    <cs:spPr>
+      <a:solidFill>
+        <a:schemeClr val="tx1">
+          <a:lumMod val="50000"/>
+          <a:lumOff val="50000"/>
+        </a:schemeClr>
+      </a:solidFill>
+    </cs:spPr>
+    <cs:defRPr sz="1197" kern="1200"/>
+    <cs:bodyPr rot="0" spcFirstLastPara="1" vertOverflow="clip" horzOverflow="clip" vert="horz" wrap="square" lIns="36576" tIns="18288" rIns="36576" bIns="18288" anchor="ctr" anchorCtr="1">
+      <a:spAutoFit/>
+    </cs:bodyPr>
+  </cs:dataLabelCallout>
+  <cs:dataPoint>
+    <cs:lnRef idx="0"/>
+    <cs:fillRef idx="0">
+      <cs:styleClr val="auto"/>
+    </cs:fillRef>
+    <cs:effectRef idx="0"/>
+    <cs:fontRef idx="minor">
+      <a:schemeClr val="tx1"/>
+    </cs:fontRef>
+    <cs:spPr>
+      <a:solidFill>
+        <a:schemeClr val="phClr">
+          <a:alpha val="70000"/>
+        </a:schemeClr>
+      </a:solidFill>
+    </cs:spPr>
+  </cs:dataPoint>
+  <cs:dataPoint3D>
+    <cs:lnRef idx="0"/>
+    <cs:fillRef idx="0">
+      <cs:styleClr val="auto"/>
+    </cs:fillRef>
+    <cs:effectRef idx="0"/>
+    <cs:fontRef idx="minor">
+      <a:schemeClr val="tx1"/>
+    </cs:fontRef>
+    <cs:spPr>
+      <a:solidFill>
+        <a:schemeClr val="phClr">
+          <a:alpha val="70000"/>
+        </a:schemeClr>
+      </a:solidFill>
+    </cs:spPr>
+  </cs:dataPoint3D>
+  <cs:dataPointLine>
+    <cs:lnRef idx="0">
+      <cs:styleClr val="auto"/>
+    </cs:lnRef>
+    <cs:fillRef idx="0"/>
+    <cs:effectRef idx="0"/>
+    <cs:fontRef idx="minor">
+      <a:schemeClr val="dk1"/>
+    </cs:fontRef>
+    <cs:spPr>
+      <a:ln w="28575" cap="rnd">
+        <a:solidFill>
+          <a:schemeClr val="phClr"/>
+        </a:solidFill>
+        <a:round/>
+      </a:ln>
+    </cs:spPr>
+  </cs:dataPointLine>
+  <cs:dataPointMarker>
+    <cs:lnRef idx="0">
+      <cs:styleClr val="auto"/>
+    </cs:lnRef>
+    <cs:fillRef idx="0">
+      <cs:styleClr val="auto"/>
+    </cs:fillRef>
+    <cs:effectRef idx="0"/>
+    <cs:fontRef idx="minor">
+      <a:schemeClr val="dk1"/>
+    </cs:fontRef>
+    <cs:spPr>
+      <a:gradFill>
+        <a:gsLst>
+          <a:gs pos="0">
+            <a:schemeClr val="phClr"/>
+          </a:gs>
+          <a:gs pos="46000">
+            <a:schemeClr val="phClr"/>
+          </a:gs>
+          <a:gs pos="100000">
+            <a:schemeClr val="phClr">
+              <a:lumMod val="20000"/>
+              <a:lumOff val="80000"/>
+              <a:alpha val="0"/>
+            </a:schemeClr>
+          </a:gs>
+        </a:gsLst>
+        <a:path path="circle">
+          <a:fillToRect l="50000" t="-80000" r="50000" b="180000"/>
+        </a:path>
+      </a:gradFill>
+      <a:ln w="9525" cap="flat" cmpd="sng" algn="ctr">
+        <a:solidFill>
+          <a:schemeClr val="phClr">
+            <a:shade val="95000"/>
+          </a:schemeClr>
+        </a:solidFill>
+        <a:round/>
+      </a:ln>
+    </cs:spPr>
+  </cs:dataPointMarker>
+  <cs:dataPointMarkerLayout symbol="circle" size="6"/>
+  <cs:dataPointWireframe>
+    <cs:lnRef idx="0">
+      <cs:styleClr val="auto"/>
+    </cs:lnRef>
+    <cs:fillRef idx="0"/>
+    <cs:effectRef idx="0"/>
+    <cs:fontRef idx="minor">
+      <a:schemeClr val="dk1"/>
+    </cs:fontRef>
+    <cs:spPr>
+      <a:ln w="9525" cap="rnd">
+        <a:solidFill>
+          <a:schemeClr val="phClr"/>
+        </a:solidFill>
+        <a:round/>
+      </a:ln>
+    </cs:spPr>
+  </cs:dataPointWireframe>
+  <cs:dataTable>
+    <cs:lnRef idx="0"/>
+    <cs:fillRef idx="0"/>
+    <cs:effectRef idx="0"/>
+    <cs:fontRef idx="minor">
+      <a:schemeClr val="tx1">
+        <a:lumMod val="65000"/>
+        <a:lumOff val="35000"/>
+      </a:schemeClr>
+    </cs:fontRef>
+    <cs:spPr>
+      <a:ln w="9525">
+        <a:solidFill>
+          <a:schemeClr val="tx1">
+            <a:lumMod val="15000"/>
+            <a:lumOff val="85000"/>
+          </a:schemeClr>
+        </a:solidFill>
+      </a:ln>
+    </cs:spPr>
+    <cs:defRPr sz="1197" kern="1200"/>
+  </cs:dataTable>
+  <cs:downBar>
+    <cs:lnRef idx="0"/>
+    <cs:fillRef idx="0"/>
+    <cs:effectRef idx="0"/>
+    <cs:fontRef idx="minor">
+      <a:schemeClr val="dk1"/>
+    </cs:fontRef>
+    <cs:spPr>
+      <a:solidFill>
+        <a:schemeClr val="dk1">
+          <a:lumMod val="75000"/>
+          <a:lumOff val="25000"/>
+        </a:schemeClr>
+      </a:solidFill>
+      <a:ln w="9525">
+        <a:solidFill>
+          <a:schemeClr val="tx1">
+            <a:lumMod val="65000"/>
+            <a:lumOff val="35000"/>
+          </a:schemeClr>
+        </a:solidFill>
+      </a:ln>
+    </cs:spPr>
+  </cs:downBar>
+  <cs:dropLine>
+    <cs:lnRef idx="0"/>
+    <cs:fillRef idx="0"/>
+    <cs:effectRef idx="0"/>
+    <cs:fontRef idx="minor">
+      <a:schemeClr val="dk1"/>
+    </cs:fontRef>
+    <cs:spPr>
+      <a:ln w="9525">
+        <a:solidFill>
+          <a:schemeClr val="tx1">
+            <a:lumMod val="35000"/>
+            <a:lumOff val="65000"/>
+          </a:schemeClr>
+        </a:solidFill>
+      </a:ln>
+    </cs:spPr>
+  </cs:dropLine>
+  <cs:errorBar>
+    <cs:lnRef idx="0"/>
+    <cs:fillRef idx="0"/>
+    <cs:effectRef idx="0"/>
+    <cs:fontRef idx="minor">
+      <a:schemeClr val="dk1"/>
+    </cs:fontRef>
+    <cs:spPr>
+      <a:ln w="9525" cap="flat" cmpd="sng" algn="ctr">
+        <a:solidFill>
+          <a:schemeClr val="tx1">
+            <a:lumMod val="65000"/>
+            <a:lumOff val="35000"/>
+          </a:schemeClr>
+        </a:solidFill>
+        <a:round/>
+      </a:ln>
+    </cs:spPr>
+  </cs:errorBar>
+  <cs:floor>
+    <cs:lnRef idx="0"/>
+    <cs:fillRef idx="0"/>
+    <cs:effectRef idx="0"/>
+    <cs:fontRef idx="minor">
+      <a:schemeClr val="dk1"/>
+    </cs:fontRef>
+  </cs:floor>
+  <cs:gridlineMajor>
+    <cs:lnRef idx="0"/>
+    <cs:fillRef idx="0"/>
+    <cs:effectRef idx="0"/>
+    <cs:fontRef idx="minor">
+      <a:schemeClr val="dk1"/>
+    </cs:fontRef>
+    <cs:spPr>
+      <a:ln w="9525" cap="flat" cmpd="sng" algn="ctr">
+        <a:gradFill>
+          <a:gsLst>
+            <a:gs pos="0">
+              <a:schemeClr val="tx1">
+                <a:lumMod val="5000"/>
+                <a:lumOff val="95000"/>
+              </a:schemeClr>
+            </a:gs>
+            <a:gs pos="100000">
+              <a:schemeClr val="tx1">
+                <a:lumMod val="15000"/>
+                <a:lumOff val="85000"/>
+              </a:schemeClr>
+            </a:gs>
+          </a:gsLst>
+          <a:lin ang="5400000" scaled="0"/>
+        </a:gradFill>
+        <a:round/>
+      </a:ln>
+    </cs:spPr>
+  </cs:gridlineMajor>
+  <cs:gridlineMinor>
+    <cs:lnRef idx="0"/>
+    <cs:fillRef idx="0"/>
+    <cs:effectRef idx="0"/>
+    <cs:fontRef idx="minor">
+      <a:schemeClr val="dk1"/>
+    </cs:fontRef>
+    <cs:spPr>
+      <a:ln w="9525" cap="flat" cmpd="sng" algn="ctr">
+        <a:gradFill>
+          <a:gsLst>
+            <a:gs pos="0">
+              <a:schemeClr val="tx1">
+                <a:lumMod val="5000"/>
+                <a:lumOff val="95000"/>
+              </a:schemeClr>
+            </a:gs>
+            <a:gs pos="100000">
+              <a:schemeClr val="tx1">
+                <a:lumMod val="15000"/>
+                <a:lumOff val="85000"/>
+              </a:schemeClr>
+            </a:gs>
+          </a:gsLst>
+          <a:lin ang="5400000" scaled="0"/>
+        </a:gradFill>
+        <a:round/>
+      </a:ln>
+    </cs:spPr>
+  </cs:gridlineMinor>
+  <cs:hiLoLine>
+    <cs:lnRef idx="0"/>
+    <cs:fillRef idx="0"/>
+    <cs:effectRef idx="0"/>
+    <cs:fontRef idx="minor">
+      <a:schemeClr val="dk1"/>
+    </cs:fontRef>
+    <cs:spPr>
+      <a:ln w="9525">
+        <a:solidFill>
+          <a:schemeClr val="tx1">
+            <a:lumMod val="50000"/>
+            <a:lumOff val="50000"/>
+          </a:schemeClr>
+        </a:solidFill>
+      </a:ln>
+    </cs:spPr>
+  </cs:hiLoLine>
+  <cs:leaderLine>
+    <cs:lnRef idx="0"/>
+    <cs:fillRef idx="0"/>
+    <cs:effectRef idx="0"/>
+    <cs:fontRef idx="minor">
+      <a:schemeClr val="dk1"/>
+    </cs:fontRef>
+    <cs:spPr>
+      <a:ln w="9525">
+        <a:solidFill>
+          <a:schemeClr val="tx1">
+            <a:lumMod val="35000"/>
+            <a:lumOff val="65000"/>
+          </a:schemeClr>
+        </a:solidFill>
+      </a:ln>
+    </cs:spPr>
+  </cs:leaderLine>
+  <cs:legend>
+    <cs:lnRef idx="0"/>
+    <cs:fillRef idx="0"/>
+    <cs:effectRef idx="0"/>
+    <cs:fontRef idx="minor">
+      <a:schemeClr val="tx1">
+        <a:lumMod val="65000"/>
+        <a:lumOff val="35000"/>
+      </a:schemeClr>
+    </cs:fontRef>
+    <cs:defRPr sz="1197" kern="1200"/>
+  </cs:legend>
+  <cs:plotArea mods="allowNoFillOverride allowNoLineOverride">
+    <cs:lnRef idx="0"/>
+    <cs:fillRef idx="0"/>
+    <cs:effectRef idx="0"/>
+    <cs:fontRef idx="minor">
+      <a:schemeClr val="dk1"/>
+    </cs:fontRef>
+  </cs:plotArea>
+  <cs:plotArea3D mods="allowNoFillOverride allowNoLineOverride">
+    <cs:lnRef idx="0"/>
+    <cs:fillRef idx="0"/>
+    <cs:effectRef idx="0"/>
+    <cs:fontRef idx="minor">
+      <a:schemeClr val="dk1"/>
+    </cs:fontRef>
+  </cs:plotArea3D>
+  <cs:seriesAxis>
+    <cs:lnRef idx="0"/>
+    <cs:fillRef idx="0"/>
+    <cs:effectRef idx="0"/>
+    <cs:fontRef idx="minor">
+      <a:schemeClr val="tx1">
+        <a:lumMod val="65000"/>
+        <a:lumOff val="35000"/>
+      </a:schemeClr>
+    </cs:fontRef>
+    <cs:spPr>
+      <a:ln w="9525" cap="flat" cmpd="sng" algn="ctr">
+        <a:solidFill>
+          <a:schemeClr val="tx1">
+            <a:lumMod val="15000"/>
+            <a:lumOff val="85000"/>
+          </a:schemeClr>
+        </a:solidFill>
+        <a:round/>
+        <a:headEnd type="none" w="sm" len="sm"/>
+        <a:tailEnd type="none" w="sm" len="sm"/>
+      </a:ln>
+    </cs:spPr>
+    <cs:defRPr sz="1197" kern="1200"/>
+  </cs:seriesAxis>
+  <cs:seriesLine>
+    <cs:lnRef idx="0"/>
+    <cs:fillRef idx="0"/>
+    <cs:effectRef idx="0"/>
+    <cs:fontRef idx="minor">
+      <a:schemeClr val="dk1"/>
+    </cs:fontRef>
+    <cs:spPr>
+      <a:ln w="9525">
+        <a:solidFill>
+          <a:schemeClr val="tx1">
+            <a:lumMod val="35000"/>
+            <a:lumOff val="65000"/>
+          </a:schemeClr>
+        </a:solidFill>
+        <a:round/>
+      </a:ln>
+    </cs:spPr>
+  </cs:seriesLine>
+  <cs:title>
+    <cs:lnRef idx="0"/>
+    <cs:fillRef idx="0"/>
+    <cs:effectRef idx="0"/>
+    <cs:fontRef idx="minor">
+      <a:schemeClr val="tx1">
+        <a:lumMod val="65000"/>
+        <a:lumOff val="35000"/>
+      </a:schemeClr>
+    </cs:fontRef>
+    <cs:defRPr sz="2200" b="1" kern="1200" cap="all" spc="50" baseline="0"/>
+  </cs:title>
+  <cs:trendline>
+    <cs:lnRef idx="0">
+      <cs:styleClr val="auto"/>
+    </cs:lnRef>
+    <cs:fillRef idx="0"/>
+    <cs:effectRef idx="0"/>
+    <cs:fontRef idx="minor">
+      <a:schemeClr val="dk1"/>
+    </cs:fontRef>
+    <cs:spPr>
+      <a:ln w="9525" cap="rnd">
+        <a:solidFill>
+          <a:schemeClr val="phClr"/>
+        </a:solidFill>
+      </a:ln>
+    </cs:spPr>
+  </cs:trendline>
+  <cs:trendlineLabel>
+    <cs:lnRef idx="0"/>
+    <cs:fillRef idx="0"/>
+    <cs:effectRef idx="0"/>
+    <cs:fontRef idx="minor">
+      <a:schemeClr val="tx1">
+        <a:lumMod val="65000"/>
+        <a:lumOff val="35000"/>
+      </a:schemeClr>
+    </cs:fontRef>
+    <cs:defRPr sz="1197" kern="1200"/>
+  </cs:trendlineLabel>
+  <cs:upBar>
+    <cs:lnRef idx="0"/>
+    <cs:fillRef idx="0"/>
+    <cs:effectRef idx="0"/>
+    <cs:fontRef idx="minor">
+      <a:schemeClr val="dk1"/>
+    </cs:fontRef>
+    <cs:spPr>
+      <a:solidFill>
+        <a:schemeClr val="lt1"/>
+      </a:solidFill>
+      <a:ln w="9525">
+        <a:solidFill>
+          <a:schemeClr val="tx1">
+            <a:lumMod val="65000"/>
+            <a:lumOff val="35000"/>
+          </a:schemeClr>
+        </a:solidFill>
+      </a:ln>
+    </cs:spPr>
+  </cs:upBar>
+  <cs:valueAxis>
+    <cs:lnRef idx="0"/>
+    <cs:fillRef idx="0"/>
+    <cs:effectRef idx="0"/>
+    <cs:fontRef idx="minor">
+      <a:schemeClr val="tx1">
+        <a:lumMod val="65000"/>
+        <a:lumOff val="35000"/>
+      </a:schemeClr>
+    </cs:fontRef>
+    <cs:defRPr sz="1197" kern="1200"/>
+  </cs:valueAxis>
+  <cs:wall>
+    <cs:lnRef idx="0"/>
+    <cs:fillRef idx="0"/>
+    <cs:effectRef idx="0"/>
+    <cs:fontRef idx="minor">
+      <a:schemeClr val="dk1"/>
+    </cs:fontRef>
+  </cs:wall>
+</cs:chartStyle>
+</file>
+
 <file path=ppt/handoutMasters/handoutMaster1.xml><?xml version="1.0" encoding="utf-8"?>
 <p:handoutMaster xmlns:a="http://schemas.openxmlformats.org/drawingml/2006/main" xmlns:r="http://schemas.openxmlformats.org/officeDocument/2006/relationships" xmlns:p="http://schemas.openxmlformats.org/presentationml/2006/main">
   <p:cSld>
@@ -240,7 +1189,7 @@
             <a:pPr algn="r" rtl="0"/>
             <a:fld id="{C8F1D84B-F747-4821-8617-FBD61E8F4308}" type="datetime1">
               <a:rPr lang="es-ES" smtClean="0"/>
-              <a:t>03/05/2018</a:t>
+              <a:t>07/05/2018</a:t>
             </a:fld>
             <a:endParaRPr lang="es-ES" dirty="0"/>
           </a:p>
@@ -410,7 +1359,7 @@
             <a:fld id="{DA87C823-BB9F-45DA-99AB-416A32E1B948}" type="datetime1">
               <a:rPr lang="es-ES" noProof="0" smtClean="0"/>
               <a:pPr/>
-              <a:t>03/05/2018</a:t>
+              <a:t>07/05/2018</a:t>
             </a:fld>
             <a:endParaRPr lang="es-ES" noProof="0" dirty="0"/>
           </a:p>
@@ -1120,6 +2069,91 @@
     <p:extLst>
       <p:ext uri="{BB962C8B-B14F-4D97-AF65-F5344CB8AC3E}">
         <p14:creationId xmlns:p14="http://schemas.microsoft.com/office/powerpoint/2010/main" val="3606278418"/>
+      </p:ext>
+    </p:extLst>
+  </p:cSld>
+  <p:clrMapOvr>
+    <a:masterClrMapping/>
+  </p:clrMapOvr>
+</p:notes>
+</file>
+
+<file path=ppt/notesSlides/notesSlide6.xml><?xml version="1.0" encoding="utf-8"?>
+<p:notes xmlns:a="http://schemas.openxmlformats.org/drawingml/2006/main" xmlns:r="http://schemas.openxmlformats.org/officeDocument/2006/relationships" xmlns:p="http://schemas.openxmlformats.org/presentationml/2006/main">
+  <p:cSld>
+    <p:spTree>
+      <p:nvGrpSpPr>
+        <p:cNvPr id="1" name=""/>
+        <p:cNvGrpSpPr/>
+        <p:nvPr/>
+      </p:nvGrpSpPr>
+      <p:grpSpPr>
+        <a:xfrm>
+          <a:off x="0" y="0"/>
+          <a:ext cx="0" cy="0"/>
+          <a:chOff x="0" y="0"/>
+          <a:chExt cx="0" cy="0"/>
+        </a:xfrm>
+      </p:grpSpPr>
+      <p:sp>
+        <p:nvSpPr>
+          <p:cNvPr id="2" name="Marcador de imagen de diapositiva 1"/>
+          <p:cNvSpPr>
+            <a:spLocks noGrp="1" noRot="1" noChangeAspect="1"/>
+          </p:cNvSpPr>
+          <p:nvPr>
+            <p:ph type="sldImg"/>
+          </p:nvPr>
+        </p:nvSpPr>
+        <p:spPr/>
+      </p:sp>
+      <p:sp>
+        <p:nvSpPr>
+          <p:cNvPr id="3" name="Marcador de notas 2"/>
+          <p:cNvSpPr>
+            <a:spLocks noGrp="1"/>
+          </p:cNvSpPr>
+          <p:nvPr>
+            <p:ph type="body" idx="1"/>
+          </p:nvPr>
+        </p:nvSpPr>
+        <p:spPr/>
+        <p:txBody>
+          <a:bodyPr/>
+          <a:lstStyle/>
+          <a:p>
+            <a:endParaRPr lang="es-ES" dirty="0"/>
+          </a:p>
+        </p:txBody>
+      </p:sp>
+      <p:sp>
+        <p:nvSpPr>
+          <p:cNvPr id="4" name="Marcador de número de diapositiva 3"/>
+          <p:cNvSpPr>
+            <a:spLocks noGrp="1"/>
+          </p:cNvSpPr>
+          <p:nvPr>
+            <p:ph type="sldNum" sz="quarter" idx="10"/>
+          </p:nvPr>
+        </p:nvSpPr>
+        <p:spPr/>
+        <p:txBody>
+          <a:bodyPr/>
+          <a:lstStyle/>
+          <a:p>
+            <a:fld id="{3EBA5BD7-F043-4D1B-AA17-CD412FC534DE}" type="slidenum">
+              <a:rPr lang="es-ES" smtClean="0"/>
+              <a:pPr/>
+              <a:t>15</a:t>
+            </a:fld>
+            <a:endParaRPr lang="es-ES" dirty="0"/>
+          </a:p>
+        </p:txBody>
+      </p:sp>
+    </p:spTree>
+    <p:extLst>
+      <p:ext uri="{BB962C8B-B14F-4D97-AF65-F5344CB8AC3E}">
+        <p14:creationId xmlns:p14="http://schemas.microsoft.com/office/powerpoint/2010/main" val="2121317361"/>
       </p:ext>
     </p:extLst>
   </p:cSld>
@@ -1892,7 +2926,7 @@
             <a:fld id="{A042E67D-14C0-4ED9-A218-9C14494A6A84}" type="datetime1">
               <a:rPr lang="es-ES" noProof="0" smtClean="0"/>
               <a:pPr/>
-              <a:t>03/05/2018</a:t>
+              <a:t>07/05/2018</a:t>
             </a:fld>
             <a:endParaRPr lang="es-ES" noProof="0" dirty="0"/>
           </a:p>
@@ -2102,7 +3136,7 @@
             <a:fld id="{40A1DB83-C382-4684-8887-65A03EA4FFF0}" type="datetime1">
               <a:rPr lang="es-ES" noProof="0" smtClean="0"/>
               <a:pPr/>
-              <a:t>03/05/2018</a:t>
+              <a:t>07/05/2018</a:t>
             </a:fld>
             <a:endParaRPr lang="es-ES" noProof="0" dirty="0"/>
           </a:p>
@@ -2318,7 +3352,7 @@
             <a:fld id="{C60E81D3-9B82-44CA-B1F9-FCEFDC87935B}" type="datetime1">
               <a:rPr lang="es-ES" noProof="0" smtClean="0"/>
               <a:pPr/>
-              <a:t>03/05/2018</a:t>
+              <a:t>07/05/2018</a:t>
             </a:fld>
             <a:endParaRPr lang="es-ES" noProof="0" dirty="0"/>
           </a:p>
@@ -2524,7 +3558,7 @@
             <a:fld id="{82E48AAE-5AE8-418A-A225-B506C222F2F9}" type="datetime1">
               <a:rPr lang="es-ES" noProof="0" smtClean="0"/>
               <a:pPr/>
-              <a:t>03/05/2018</a:t>
+              <a:t>07/05/2018</a:t>
             </a:fld>
             <a:endParaRPr lang="es-ES" noProof="0" dirty="0"/>
           </a:p>
@@ -2964,7 +3998,7 @@
             <a:fld id="{AA1D35CA-82F5-4AD4-B9EC-66E805B73542}" type="datetime1">
               <a:rPr lang="es-ES" noProof="0" smtClean="0"/>
               <a:pPr/>
-              <a:t>03/05/2018</a:t>
+              <a:t>07/05/2018</a:t>
             </a:fld>
             <a:endParaRPr lang="es-ES" noProof="0" dirty="0"/>
           </a:p>
@@ -3276,7 +4310,7 @@
             <a:fld id="{834CCE92-710B-4678-B1B1-EFCAA5CDF075}" type="datetime1">
               <a:rPr lang="es-ES" noProof="0" smtClean="0"/>
               <a:pPr/>
-              <a:t>03/05/2018</a:t>
+              <a:t>07/05/2018</a:t>
             </a:fld>
             <a:endParaRPr lang="es-ES" noProof="0" dirty="0"/>
           </a:p>
@@ -3740,7 +4774,7 @@
             <a:fld id="{83FB0F2C-25D9-4D7E-B43A-29A2E16C960D}" type="datetime1">
               <a:rPr lang="es-ES" noProof="0" smtClean="0"/>
               <a:pPr/>
-              <a:t>03/05/2018</a:t>
+              <a:t>07/05/2018</a:t>
             </a:fld>
             <a:endParaRPr lang="es-ES" noProof="0" dirty="0"/>
           </a:p>
@@ -3878,7 +4912,7 @@
             <a:fld id="{FD34687D-B11B-47A5-95F6-B79DA932A6DF}" type="datetime1">
               <a:rPr lang="es-ES" noProof="0" smtClean="0"/>
               <a:pPr/>
-              <a:t>03/05/2018</a:t>
+              <a:t>07/05/2018</a:t>
             </a:fld>
             <a:endParaRPr lang="es-ES" noProof="0" dirty="0"/>
           </a:p>
@@ -3992,7 +5026,7 @@
             <a:fld id="{93C656DE-1E46-4450-9484-A739B4FADFBC}" type="datetime1">
               <a:rPr lang="es-ES" noProof="0" smtClean="0"/>
               <a:pPr/>
-              <a:t>03/05/2018</a:t>
+              <a:t>07/05/2018</a:t>
             </a:fld>
             <a:endParaRPr lang="es-ES" noProof="0" dirty="0"/>
           </a:p>
@@ -4299,7 +5333,7 @@
             <a:fld id="{EEA77F8B-D469-4ECD-B91E-3B01AD692331}" type="datetime1">
               <a:rPr lang="es-ES" noProof="0" smtClean="0"/>
               <a:pPr/>
-              <a:t>03/05/2018</a:t>
+              <a:t>07/05/2018</a:t>
             </a:fld>
             <a:endParaRPr lang="es-ES" noProof="0" dirty="0"/>
           </a:p>
@@ -4596,7 +5630,7 @@
             <a:fld id="{49BA7B1C-709E-4257-93A5-EC2F0807D42F}" type="datetime1">
               <a:rPr lang="es-ES" noProof="0" smtClean="0"/>
               <a:pPr/>
-              <a:t>03/05/2018</a:t>
+              <a:t>07/05/2018</a:t>
             </a:fld>
             <a:endParaRPr lang="es-ES" noProof="0" dirty="0"/>
           </a:p>
@@ -5222,7 +6256,7 @@
             <a:fld id="{35C83AD5-F5AF-4BDC-901E-85A05CCFFAAA}" type="datetime1">
               <a:rPr lang="es-ES" noProof="0" smtClean="0"/>
               <a:pPr/>
-              <a:t>03/05/2018</a:t>
+              <a:t>07/05/2018</a:t>
             </a:fld>
             <a:endParaRPr lang="es-ES" noProof="0" dirty="0"/>
           </a:p>
@@ -5679,6 +6713,38 @@
 <file path=ppt/slides/slide1.xml><?xml version="1.0" encoding="utf-8"?>
 <p:sld xmlns:a="http://schemas.openxmlformats.org/drawingml/2006/main" xmlns:r="http://schemas.openxmlformats.org/officeDocument/2006/relationships" xmlns:p="http://schemas.openxmlformats.org/presentationml/2006/main">
   <p:cSld>
+    <p:bg>
+      <p:bgPr>
+        <a:gradFill flip="none" rotWithShape="1">
+          <a:gsLst>
+            <a:gs pos="0">
+              <a:schemeClr val="bg2">
+                <a:tint val="100000"/>
+                <a:shade val="0"/>
+                <a:satMod val="100000"/>
+              </a:schemeClr>
+            </a:gs>
+            <a:gs pos="5000">
+              <a:schemeClr val="bg2">
+                <a:tint val="100000"/>
+                <a:shade val="30000"/>
+                <a:satMod val="100000"/>
+              </a:schemeClr>
+            </a:gs>
+            <a:gs pos="26000">
+              <a:schemeClr val="bg2">
+                <a:tint val="100000"/>
+                <a:shade val="30000"/>
+                <a:satMod val="100000"/>
+              </a:schemeClr>
+            </a:gs>
+          </a:gsLst>
+          <a:lin ang="3600000" scaled="0"/>
+          <a:tileRect/>
+        </a:gradFill>
+        <a:effectLst/>
+      </p:bgPr>
+    </p:bg>
     <p:spTree>
       <p:nvGrpSpPr>
         <p:cNvPr id="1" name=""/>
@@ -5703,7 +6769,12 @@
             <p:ph type="ctrTitle"/>
           </p:nvPr>
         </p:nvSpPr>
-        <p:spPr/>
+        <p:spPr>
+          <a:xfrm>
+            <a:off x="1625176" y="909588"/>
+            <a:ext cx="8735325" cy="1012566"/>
+          </a:xfrm>
+        </p:spPr>
         <p:txBody>
           <a:bodyPr rtlCol="0"/>
           <a:lstStyle/>
@@ -5729,7 +6800,12 @@
             <p:ph type="subTitle" idx="1"/>
           </p:nvPr>
         </p:nvSpPr>
-        <p:spPr/>
+        <p:spPr>
+          <a:xfrm>
+            <a:off x="1625176" y="2084655"/>
+            <a:ext cx="8735325" cy="668784"/>
+          </a:xfrm>
+        </p:spPr>
         <p:txBody>
           <a:bodyPr rtlCol="0"/>
           <a:lstStyle/>
@@ -5792,6 +6868,36 @@
           </a:p>
         </p:txBody>
       </p:sp>
+      <p:pic>
+        <p:nvPicPr>
+          <p:cNvPr id="4" name="Imagen 3"/>
+          <p:cNvPicPr>
+            <a:picLocks noChangeAspect="1"/>
+          </p:cNvPicPr>
+          <p:nvPr/>
+        </p:nvPicPr>
+        <p:blipFill>
+          <a:blip r:embed="rId3">
+            <a:extLst>
+              <a:ext uri="{28A0092B-C50C-407E-A947-70E740481C1C}">
+                <a14:useLocalDpi xmlns:a14="http://schemas.microsoft.com/office/drawing/2010/main" val="0"/>
+              </a:ext>
+            </a:extLst>
+          </a:blip>
+          <a:stretch>
+            <a:fillRect/>
+          </a:stretch>
+        </p:blipFill>
+        <p:spPr>
+          <a:xfrm>
+            <a:off x="4005387" y="2968169"/>
+            <a:ext cx="3974902" cy="2381907"/>
+          </a:xfrm>
+          <a:prstGeom prst="rect">
+            <a:avLst/>
+          </a:prstGeom>
+        </p:spPr>
+      </p:pic>
     </p:spTree>
     <p:extLst>
       <p:ext uri="{BB962C8B-B14F-4D97-AF65-F5344CB8AC3E}">
@@ -5827,6 +6933,38 @@
 <file path=ppt/slides/slide10.xml><?xml version="1.0" encoding="utf-8"?>
 <p:sld xmlns:a="http://schemas.openxmlformats.org/drawingml/2006/main" xmlns:r="http://schemas.openxmlformats.org/officeDocument/2006/relationships" xmlns:p="http://schemas.openxmlformats.org/presentationml/2006/main">
   <p:cSld>
+    <p:bg>
+      <p:bgPr>
+        <a:gradFill flip="none" rotWithShape="1">
+          <a:gsLst>
+            <a:gs pos="0">
+              <a:schemeClr val="bg2">
+                <a:tint val="100000"/>
+                <a:shade val="0"/>
+                <a:satMod val="100000"/>
+              </a:schemeClr>
+            </a:gs>
+            <a:gs pos="29000">
+              <a:schemeClr val="bg2">
+                <a:tint val="100000"/>
+                <a:shade val="30000"/>
+                <a:satMod val="100000"/>
+              </a:schemeClr>
+            </a:gs>
+            <a:gs pos="6000">
+              <a:schemeClr val="bg2">
+                <a:tint val="100000"/>
+                <a:shade val="30000"/>
+                <a:satMod val="100000"/>
+              </a:schemeClr>
+            </a:gs>
+          </a:gsLst>
+          <a:lin ang="3600000" scaled="0"/>
+          <a:tileRect/>
+        </a:gradFill>
+        <a:effectLst/>
+      </p:bgPr>
+    </p:bg>
     <p:spTree>
       <p:nvGrpSpPr>
         <p:cNvPr id="1" name=""/>
@@ -5856,7 +6994,7 @@
                 <a14:imgProps xmlns:a14="http://schemas.microsoft.com/office/drawing/2010/main">
                   <a14:imgLayer r:embed="rId3">
                     <a14:imgEffect>
-                      <a14:brightnessContrast contrast="-100000"/>
+                      <a14:brightnessContrast bright="100000"/>
                     </a14:imgEffect>
                   </a14:imgLayer>
                 </a14:imgProps>
@@ -5929,6 +7067,38 @@
 <file path=ppt/slides/slide11.xml><?xml version="1.0" encoding="utf-8"?>
 <p:sld xmlns:a="http://schemas.openxmlformats.org/drawingml/2006/main" xmlns:r="http://schemas.openxmlformats.org/officeDocument/2006/relationships" xmlns:p="http://schemas.openxmlformats.org/presentationml/2006/main">
   <p:cSld>
+    <p:bg>
+      <p:bgPr>
+        <a:gradFill flip="none" rotWithShape="1">
+          <a:gsLst>
+            <a:gs pos="0">
+              <a:schemeClr val="bg2">
+                <a:tint val="100000"/>
+                <a:shade val="0"/>
+                <a:satMod val="100000"/>
+              </a:schemeClr>
+            </a:gs>
+            <a:gs pos="29000">
+              <a:schemeClr val="bg2">
+                <a:tint val="100000"/>
+                <a:shade val="30000"/>
+                <a:satMod val="100000"/>
+              </a:schemeClr>
+            </a:gs>
+            <a:gs pos="6000">
+              <a:schemeClr val="bg2">
+                <a:tint val="100000"/>
+                <a:shade val="30000"/>
+                <a:satMod val="100000"/>
+              </a:schemeClr>
+            </a:gs>
+          </a:gsLst>
+          <a:lin ang="3600000" scaled="0"/>
+          <a:tileRect/>
+        </a:gradFill>
+        <a:effectLst/>
+      </p:bgPr>
+    </p:bg>
     <p:spTree>
       <p:nvGrpSpPr>
         <p:cNvPr id="1" name=""/>
@@ -5958,7 +7128,7 @@
                 <a14:imgProps xmlns:a14="http://schemas.microsoft.com/office/drawing/2010/main">
                   <a14:imgLayer r:embed="rId3">
                     <a14:imgEffect>
-                      <a14:brightnessContrast contrast="-100000"/>
+                      <a14:brightnessContrast bright="100000"/>
                     </a14:imgEffect>
                   </a14:imgLayer>
                 </a14:imgProps>
@@ -6031,6 +7201,38 @@
 <file path=ppt/slides/slide12.xml><?xml version="1.0" encoding="utf-8"?>
 <p:sld xmlns:a="http://schemas.openxmlformats.org/drawingml/2006/main" xmlns:r="http://schemas.openxmlformats.org/officeDocument/2006/relationships" xmlns:p="http://schemas.openxmlformats.org/presentationml/2006/main">
   <p:cSld>
+    <p:bg>
+      <p:bgPr>
+        <a:gradFill flip="none" rotWithShape="1">
+          <a:gsLst>
+            <a:gs pos="0">
+              <a:schemeClr val="bg2">
+                <a:tint val="100000"/>
+                <a:shade val="0"/>
+                <a:satMod val="100000"/>
+              </a:schemeClr>
+            </a:gs>
+            <a:gs pos="29000">
+              <a:schemeClr val="bg2">
+                <a:tint val="100000"/>
+                <a:shade val="30000"/>
+                <a:satMod val="100000"/>
+              </a:schemeClr>
+            </a:gs>
+            <a:gs pos="6000">
+              <a:schemeClr val="bg2">
+                <a:tint val="100000"/>
+                <a:shade val="30000"/>
+                <a:satMod val="100000"/>
+              </a:schemeClr>
+            </a:gs>
+          </a:gsLst>
+          <a:lin ang="3600000" scaled="0"/>
+          <a:tileRect/>
+        </a:gradFill>
+        <a:effectLst/>
+      </p:bgPr>
+    </p:bg>
     <p:spTree>
       <p:nvGrpSpPr>
         <p:cNvPr id="1" name=""/>
@@ -6057,14 +7259,52 @@
         </p:nvSpPr>
         <p:spPr/>
         <p:txBody>
-          <a:bodyPr/>
+          <a:bodyPr>
+            <a:normAutofit/>
+          </a:bodyPr>
           <a:lstStyle/>
           <a:p>
             <a:r>
-              <a:rPr lang="es-ES" dirty="0" smtClean="0"/>
-              <a:t>Diagrama Entidad Relación (Alternativa)</a:t>
-            </a:r>
-            <a:endParaRPr lang="es-ES" dirty="0"/>
+              <a:rPr lang="es-ES" b="1" cap="all" spc="200" dirty="0">
+                <a:solidFill>
+                  <a:schemeClr val="accent1"/>
+                </a:solidFill>
+                <a:latin typeface="+mn-lt"/>
+                <a:ea typeface="+mn-ea"/>
+                <a:cs typeface="+mn-cs"/>
+              </a:rPr>
+              <a:t>Diagrama Entidad </a:t>
+            </a:r>
+            <a:r>
+              <a:rPr lang="es-ES" b="1" cap="all" spc="200" dirty="0">
+                <a:solidFill>
+                  <a:schemeClr val="accent1"/>
+                </a:solidFill>
+                <a:latin typeface="+mn-lt"/>
+                <a:ea typeface="+mn-ea"/>
+                <a:cs typeface="+mn-cs"/>
+              </a:rPr>
+              <a:t>Relación</a:t>
+            </a:r>
+            <a:r>
+              <a:rPr lang="es-ES" b="1" cap="all" spc="200" dirty="0">
+                <a:solidFill>
+                  <a:schemeClr val="accent1"/>
+                </a:solidFill>
+                <a:latin typeface="+mn-lt"/>
+                <a:ea typeface="+mn-ea"/>
+                <a:cs typeface="+mn-cs"/>
+              </a:rPr>
+              <a:t> (Alternativa)</a:t>
+            </a:r>
+            <a:endParaRPr lang="es-ES" b="1" cap="all" spc="200" dirty="0">
+              <a:solidFill>
+                <a:schemeClr val="accent1"/>
+              </a:solidFill>
+              <a:latin typeface="+mn-lt"/>
+              <a:ea typeface="+mn-ea"/>
+              <a:cs typeface="+mn-cs"/>
+            </a:endParaRPr>
           </a:p>
         </p:txBody>
       </p:sp>
@@ -6144,6 +7384,38 @@
 <file path=ppt/slides/slide13.xml><?xml version="1.0" encoding="utf-8"?>
 <p:sld xmlns:a="http://schemas.openxmlformats.org/drawingml/2006/main" xmlns:r="http://schemas.openxmlformats.org/officeDocument/2006/relationships" xmlns:p="http://schemas.openxmlformats.org/presentationml/2006/main">
   <p:cSld>
+    <p:bg>
+      <p:bgPr>
+        <a:gradFill flip="none" rotWithShape="1">
+          <a:gsLst>
+            <a:gs pos="0">
+              <a:schemeClr val="bg2">
+                <a:tint val="100000"/>
+                <a:shade val="0"/>
+                <a:satMod val="100000"/>
+              </a:schemeClr>
+            </a:gs>
+            <a:gs pos="29000">
+              <a:schemeClr val="bg2">
+                <a:tint val="100000"/>
+                <a:shade val="30000"/>
+                <a:satMod val="100000"/>
+              </a:schemeClr>
+            </a:gs>
+            <a:gs pos="6000">
+              <a:schemeClr val="bg2">
+                <a:tint val="100000"/>
+                <a:shade val="30000"/>
+                <a:satMod val="100000"/>
+              </a:schemeClr>
+            </a:gs>
+          </a:gsLst>
+          <a:lin ang="3600000" scaled="0"/>
+          <a:tileRect/>
+        </a:gradFill>
+        <a:effectLst/>
+      </p:bgPr>
+    </p:bg>
     <p:spTree>
       <p:nvGrpSpPr>
         <p:cNvPr id="1" name=""/>
@@ -6170,36 +7442,74 @@
         </p:nvSpPr>
         <p:spPr/>
         <p:txBody>
-          <a:bodyPr/>
+          <a:bodyPr>
+            <a:normAutofit/>
+          </a:bodyPr>
           <a:lstStyle/>
           <a:p>
             <a:r>
-              <a:rPr lang="es-ES" dirty="0" smtClean="0"/>
-              <a:t>Diagrama de Casos de Uso</a:t>
-            </a:r>
-            <a:endParaRPr lang="es-ES" dirty="0"/>
+              <a:rPr lang="es-ES" b="1" cap="all" spc="200" dirty="0">
+                <a:solidFill>
+                  <a:schemeClr val="accent1"/>
+                </a:solidFill>
+                <a:latin typeface="+mn-lt"/>
+                <a:ea typeface="+mn-ea"/>
+                <a:cs typeface="+mn-cs"/>
+              </a:rPr>
+              <a:t>Diagrama</a:t>
+            </a:r>
+            <a:r>
+              <a:rPr lang="es-ES" b="1" cap="all" spc="200" dirty="0">
+                <a:solidFill>
+                  <a:schemeClr val="accent1"/>
+                </a:solidFill>
+                <a:latin typeface="+mn-lt"/>
+                <a:ea typeface="+mn-ea"/>
+                <a:cs typeface="+mn-cs"/>
+              </a:rPr>
+              <a:t> de Casos de Uso</a:t>
+            </a:r>
+            <a:endParaRPr lang="es-ES" b="1" cap="all" spc="200" dirty="0">
+              <a:solidFill>
+                <a:schemeClr val="accent1"/>
+              </a:solidFill>
+              <a:latin typeface="+mn-lt"/>
+              <a:ea typeface="+mn-ea"/>
+              <a:cs typeface="+mn-cs"/>
+            </a:endParaRPr>
           </a:p>
         </p:txBody>
       </p:sp>
-      <p:sp>
-        <p:nvSpPr>
-          <p:cNvPr id="3" name="Marcador de contenido 2"/>
-          <p:cNvSpPr>
-            <a:spLocks noGrp="1"/>
-          </p:cNvSpPr>
-          <p:nvPr>
-            <p:ph idx="1"/>
-          </p:nvPr>
-        </p:nvSpPr>
-        <p:spPr/>
-        <p:txBody>
-          <a:bodyPr/>
-          <a:lstStyle/>
-          <a:p>
-            <a:endParaRPr lang="es-ES"/>
-          </a:p>
-        </p:txBody>
-      </p:sp>
+      <p:pic>
+        <p:nvPicPr>
+          <p:cNvPr id="6" name="Imagen 5"/>
+          <p:cNvPicPr>
+            <a:picLocks noChangeAspect="1"/>
+          </p:cNvPicPr>
+          <p:nvPr/>
+        </p:nvPicPr>
+        <p:blipFill>
+          <a:blip r:embed="rId2">
+            <a:extLst>
+              <a:ext uri="{28A0092B-C50C-407E-A947-70E740481C1C}">
+                <a14:useLocalDpi xmlns:a14="http://schemas.microsoft.com/office/drawing/2010/main" val="0"/>
+              </a:ext>
+            </a:extLst>
+          </a:blip>
+          <a:stretch>
+            <a:fillRect/>
+          </a:stretch>
+        </p:blipFill>
+        <p:spPr>
+          <a:xfrm>
+            <a:off x="3142084" y="2132856"/>
+            <a:ext cx="6019268" cy="3195414"/>
+          </a:xfrm>
+          <a:prstGeom prst="rect">
+            <a:avLst/>
+          </a:prstGeom>
+        </p:spPr>
+      </p:pic>
     </p:spTree>
     <p:extLst>
       <p:ext uri="{BB962C8B-B14F-4D97-AF65-F5344CB8AC3E}">
@@ -6235,6 +7545,38 @@
 <file path=ppt/slides/slide14.xml><?xml version="1.0" encoding="utf-8"?>
 <p:sld xmlns:a="http://schemas.openxmlformats.org/drawingml/2006/main" xmlns:r="http://schemas.openxmlformats.org/officeDocument/2006/relationships" xmlns:p="http://schemas.openxmlformats.org/presentationml/2006/main">
   <p:cSld>
+    <p:bg>
+      <p:bgPr>
+        <a:gradFill flip="none" rotWithShape="1">
+          <a:gsLst>
+            <a:gs pos="0">
+              <a:schemeClr val="bg2">
+                <a:tint val="100000"/>
+                <a:shade val="0"/>
+                <a:satMod val="100000"/>
+              </a:schemeClr>
+            </a:gs>
+            <a:gs pos="29000">
+              <a:schemeClr val="bg2">
+                <a:tint val="100000"/>
+                <a:shade val="30000"/>
+                <a:satMod val="100000"/>
+              </a:schemeClr>
+            </a:gs>
+            <a:gs pos="6000">
+              <a:schemeClr val="bg2">
+                <a:tint val="100000"/>
+                <a:shade val="30000"/>
+                <a:satMod val="100000"/>
+              </a:schemeClr>
+            </a:gs>
+          </a:gsLst>
+          <a:lin ang="3600000" scaled="0"/>
+          <a:tileRect/>
+        </a:gradFill>
+        <a:effectLst/>
+      </p:bgPr>
+    </p:bg>
     <p:spTree>
       <p:nvGrpSpPr>
         <p:cNvPr id="1" name=""/>
@@ -6266,14 +7608,40 @@
           </a:xfrm>
         </p:spPr>
         <p:txBody>
-          <a:bodyPr/>
+          <a:bodyPr>
+            <a:normAutofit/>
+          </a:bodyPr>
           <a:lstStyle/>
           <a:p>
             <a:r>
-              <a:rPr lang="es-ES" dirty="0" smtClean="0"/>
-              <a:t>Desarrollo del proyecto</a:t>
-            </a:r>
-            <a:endParaRPr lang="es-ES" dirty="0"/>
+              <a:rPr lang="es-ES" sz="4800" b="1" cap="all" spc="200" dirty="0">
+                <a:latin typeface="+mn-lt"/>
+                <a:ea typeface="+mn-ea"/>
+                <a:cs typeface="+mn-cs"/>
+              </a:rPr>
+              <a:t>Desarrollo </a:t>
+            </a:r>
+            <a:r>
+              <a:rPr lang="es-ES" sz="4800" b="1" cap="all" spc="200" dirty="0">
+                <a:latin typeface="+mn-lt"/>
+                <a:ea typeface="+mn-ea"/>
+                <a:cs typeface="+mn-cs"/>
+              </a:rPr>
+              <a:t>del</a:t>
+            </a:r>
+            <a:r>
+              <a:rPr lang="es-ES" sz="4800" b="1" cap="all" spc="200" dirty="0">
+                <a:latin typeface="+mn-lt"/>
+                <a:ea typeface="+mn-ea"/>
+                <a:cs typeface="+mn-cs"/>
+              </a:rPr>
+              <a:t> proyecto</a:t>
+            </a:r>
+            <a:endParaRPr lang="es-ES" sz="4800" b="1" cap="all" spc="200" dirty="0">
+              <a:latin typeface="+mn-lt"/>
+              <a:ea typeface="+mn-ea"/>
+              <a:cs typeface="+mn-cs"/>
+            </a:endParaRPr>
           </a:p>
         </p:txBody>
       </p:sp>
@@ -6309,9 +7677,525 @@
 </p:sld>
 </file>
 
+<file path=ppt/slides/slide15.xml><?xml version="1.0" encoding="utf-8"?>
+<p:sld xmlns:a="http://schemas.openxmlformats.org/drawingml/2006/main" xmlns:r="http://schemas.openxmlformats.org/officeDocument/2006/relationships" xmlns:p="http://schemas.openxmlformats.org/presentationml/2006/main">
+  <p:cSld>
+    <p:bg>
+      <p:bgPr>
+        <a:gradFill flip="none" rotWithShape="1">
+          <a:gsLst>
+            <a:gs pos="0">
+              <a:schemeClr val="bg2">
+                <a:tint val="100000"/>
+                <a:shade val="0"/>
+                <a:satMod val="100000"/>
+              </a:schemeClr>
+            </a:gs>
+            <a:gs pos="29000">
+              <a:schemeClr val="bg2">
+                <a:tint val="100000"/>
+                <a:shade val="30000"/>
+                <a:satMod val="100000"/>
+              </a:schemeClr>
+            </a:gs>
+            <a:gs pos="6000">
+              <a:schemeClr val="bg2">
+                <a:tint val="100000"/>
+                <a:shade val="30000"/>
+                <a:satMod val="100000"/>
+              </a:schemeClr>
+            </a:gs>
+          </a:gsLst>
+          <a:lin ang="3600000" scaled="0"/>
+          <a:tileRect/>
+        </a:gradFill>
+        <a:effectLst/>
+      </p:bgPr>
+    </p:bg>
+    <p:spTree>
+      <p:nvGrpSpPr>
+        <p:cNvPr id="1" name=""/>
+        <p:cNvGrpSpPr/>
+        <p:nvPr/>
+      </p:nvGrpSpPr>
+      <p:grpSpPr>
+        <a:xfrm>
+          <a:off x="0" y="0"/>
+          <a:ext cx="0" cy="0"/>
+          <a:chOff x="0" y="0"/>
+          <a:chExt cx="0" cy="0"/>
+        </a:xfrm>
+      </p:grpSpPr>
+      <p:sp>
+        <p:nvSpPr>
+          <p:cNvPr id="7" name="Título 6"/>
+          <p:cNvSpPr>
+            <a:spLocks noGrp="1"/>
+          </p:cNvSpPr>
+          <p:nvPr>
+            <p:ph type="title"/>
+          </p:nvPr>
+        </p:nvSpPr>
+        <p:spPr>
+          <a:xfrm>
+            <a:off x="1218883" y="274637"/>
+            <a:ext cx="10360501" cy="994123"/>
+          </a:xfrm>
+        </p:spPr>
+        <p:txBody>
+          <a:bodyPr rtlCol="0"/>
+          <a:lstStyle/>
+          <a:p>
+            <a:pPr algn="ctr" rtl="0"/>
+            <a:r>
+              <a:rPr lang="es-ES" b="1" cap="all" spc="200" dirty="0">
+                <a:solidFill>
+                  <a:schemeClr val="accent1"/>
+                </a:solidFill>
+                <a:latin typeface="+mn-lt"/>
+                <a:ea typeface="+mn-ea"/>
+                <a:cs typeface="+mn-cs"/>
+              </a:rPr>
+              <a:t>Cronograma</a:t>
+            </a:r>
+            <a:endParaRPr lang="es-ES" b="1" cap="all" spc="200" dirty="0">
+              <a:solidFill>
+                <a:schemeClr val="accent1"/>
+              </a:solidFill>
+              <a:latin typeface="+mn-lt"/>
+              <a:ea typeface="+mn-ea"/>
+              <a:cs typeface="+mn-cs"/>
+            </a:endParaRPr>
+          </a:p>
+        </p:txBody>
+      </p:sp>
+      <p:graphicFrame>
+        <p:nvGraphicFramePr>
+          <p:cNvPr id="6" name="Marcador de contenido 5"/>
+          <p:cNvGraphicFramePr>
+            <a:graphicFrameLocks noGrp="1"/>
+          </p:cNvGraphicFramePr>
+          <p:nvPr>
+            <p:ph idx="1"/>
+            <p:extLst>
+              <p:ext uri="{D42A27DB-BD31-4B8C-83A1-F6EECF244321}">
+                <p14:modId xmlns:p14="http://schemas.microsoft.com/office/powerpoint/2010/main" val="1810019313"/>
+              </p:ext>
+            </p:extLst>
+          </p:nvPr>
+        </p:nvGraphicFramePr>
+        <p:xfrm>
+          <a:off x="1125860" y="1498600"/>
+          <a:ext cx="10453365" cy="4882728"/>
+        </p:xfrm>
+        <a:graphic>
+          <a:graphicData uri="http://schemas.openxmlformats.org/drawingml/2006/chart">
+            <c:chart xmlns:c="http://schemas.openxmlformats.org/drawingml/2006/chart" xmlns:r="http://schemas.openxmlformats.org/officeDocument/2006/relationships" r:id="rId3"/>
+          </a:graphicData>
+        </a:graphic>
+      </p:graphicFrame>
+    </p:spTree>
+    <p:extLst>
+      <p:ext uri="{BB962C8B-B14F-4D97-AF65-F5344CB8AC3E}">
+        <p14:creationId xmlns:p14="http://schemas.microsoft.com/office/powerpoint/2010/main" val="1484811712"/>
+      </p:ext>
+    </p:extLst>
+  </p:cSld>
+  <p:clrMapOvr>
+    <a:masterClrMapping/>
+  </p:clrMapOvr>
+  <mc:AlternateContent xmlns:mc="http://schemas.openxmlformats.org/markup-compatibility/2006" xmlns:p14="http://schemas.microsoft.com/office/powerpoint/2010/main">
+    <mc:Choice Requires="p14">
+      <p:transition spd="med" p14:dur="700">
+        <p:fade/>
+      </p:transition>
+    </mc:Choice>
+    <mc:Fallback xmlns="">
+      <p:transition spd="med">
+        <p:fade/>
+      </p:transition>
+    </mc:Fallback>
+  </mc:AlternateContent>
+  <p:timing>
+    <p:tnLst>
+      <p:par>
+        <p:cTn id="1" dur="indefinite" restart="never" nodeType="tmRoot"/>
+      </p:par>
+    </p:tnLst>
+  </p:timing>
+</p:sld>
+</file>
+
+<file path=ppt/slides/slide16.xml><?xml version="1.0" encoding="utf-8"?>
+<p:sld xmlns:a="http://schemas.openxmlformats.org/drawingml/2006/main" xmlns:r="http://schemas.openxmlformats.org/officeDocument/2006/relationships" xmlns:p="http://schemas.openxmlformats.org/presentationml/2006/main">
+  <p:cSld>
+    <p:bg>
+      <p:bgPr>
+        <a:gradFill flip="none" rotWithShape="1">
+          <a:gsLst>
+            <a:gs pos="0">
+              <a:schemeClr val="bg2">
+                <a:tint val="100000"/>
+                <a:shade val="0"/>
+                <a:satMod val="100000"/>
+              </a:schemeClr>
+            </a:gs>
+            <a:gs pos="29000">
+              <a:schemeClr val="bg2">
+                <a:tint val="100000"/>
+                <a:shade val="30000"/>
+                <a:satMod val="100000"/>
+              </a:schemeClr>
+            </a:gs>
+            <a:gs pos="6000">
+              <a:schemeClr val="bg2">
+                <a:tint val="100000"/>
+                <a:shade val="30000"/>
+                <a:satMod val="100000"/>
+              </a:schemeClr>
+            </a:gs>
+          </a:gsLst>
+          <a:lin ang="3600000" scaled="0"/>
+          <a:tileRect/>
+        </a:gradFill>
+        <a:effectLst/>
+      </p:bgPr>
+    </p:bg>
+    <p:spTree>
+      <p:nvGrpSpPr>
+        <p:cNvPr id="1" name=""/>
+        <p:cNvGrpSpPr/>
+        <p:nvPr/>
+      </p:nvGrpSpPr>
+      <p:grpSpPr>
+        <a:xfrm>
+          <a:off x="0" y="0"/>
+          <a:ext cx="0" cy="0"/>
+          <a:chOff x="0" y="0"/>
+          <a:chExt cx="0" cy="0"/>
+        </a:xfrm>
+      </p:grpSpPr>
+      <p:sp>
+        <p:nvSpPr>
+          <p:cNvPr id="2" name="Título 1"/>
+          <p:cNvSpPr>
+            <a:spLocks noGrp="1"/>
+          </p:cNvSpPr>
+          <p:nvPr>
+            <p:ph type="title"/>
+          </p:nvPr>
+        </p:nvSpPr>
+        <p:spPr/>
+        <p:txBody>
+          <a:bodyPr>
+            <a:normAutofit/>
+          </a:bodyPr>
+          <a:lstStyle/>
+          <a:p>
+            <a:pPr algn="ctr"/>
+            <a:r>
+              <a:rPr lang="es-ES" b="1" cap="all" spc="200" dirty="0">
+                <a:solidFill>
+                  <a:schemeClr val="accent1"/>
+                </a:solidFill>
+                <a:latin typeface="+mn-lt"/>
+                <a:ea typeface="+mn-ea"/>
+                <a:cs typeface="+mn-cs"/>
+              </a:rPr>
+              <a:t>Modificaciones</a:t>
+            </a:r>
+            <a:r>
+              <a:rPr lang="es-ES" b="1" cap="all" spc="200" dirty="0">
+                <a:solidFill>
+                  <a:schemeClr val="accent1"/>
+                </a:solidFill>
+                <a:latin typeface="+mn-lt"/>
+                <a:ea typeface="+mn-ea"/>
+                <a:cs typeface="+mn-cs"/>
+              </a:rPr>
+              <a:t> del proyecto</a:t>
+            </a:r>
+            <a:endParaRPr lang="es-ES" b="1" cap="all" spc="200" dirty="0">
+              <a:solidFill>
+                <a:schemeClr val="accent1"/>
+              </a:solidFill>
+              <a:latin typeface="+mn-lt"/>
+              <a:ea typeface="+mn-ea"/>
+              <a:cs typeface="+mn-cs"/>
+            </a:endParaRPr>
+          </a:p>
+        </p:txBody>
+      </p:sp>
+      <p:sp>
+        <p:nvSpPr>
+          <p:cNvPr id="3" name="Marcador de contenido 2"/>
+          <p:cNvSpPr>
+            <a:spLocks noGrp="1"/>
+          </p:cNvSpPr>
+          <p:nvPr>
+            <p:ph idx="1"/>
+          </p:nvPr>
+        </p:nvSpPr>
+        <p:spPr/>
+        <p:txBody>
+          <a:bodyPr/>
+          <a:lstStyle/>
+          <a:p>
+            <a:endParaRPr lang="es-ES" dirty="0"/>
+          </a:p>
+        </p:txBody>
+      </p:sp>
+    </p:spTree>
+    <p:extLst>
+      <p:ext uri="{BB962C8B-B14F-4D97-AF65-F5344CB8AC3E}">
+        <p14:creationId xmlns:p14="http://schemas.microsoft.com/office/powerpoint/2010/main" val="3359366067"/>
+      </p:ext>
+    </p:extLst>
+  </p:cSld>
+  <p:clrMapOvr>
+    <a:masterClrMapping/>
+  </p:clrMapOvr>
+  <mc:AlternateContent xmlns:mc="http://schemas.openxmlformats.org/markup-compatibility/2006" xmlns:p14="http://schemas.microsoft.com/office/powerpoint/2010/main">
+    <mc:Choice Requires="p14">
+      <p:transition spd="med" p14:dur="700">
+        <p:fade/>
+      </p:transition>
+    </mc:Choice>
+    <mc:Fallback xmlns="">
+      <p:transition spd="med">
+        <p:fade/>
+      </p:transition>
+    </mc:Fallback>
+  </mc:AlternateContent>
+  <p:timing>
+    <p:tnLst>
+      <p:par>
+        <p:cTn id="1" dur="indefinite" restart="never" nodeType="tmRoot"/>
+      </p:par>
+    </p:tnLst>
+  </p:timing>
+</p:sld>
+</file>
+
+<file path=ppt/slides/slide17.xml><?xml version="1.0" encoding="utf-8"?>
+<p:sld xmlns:a="http://schemas.openxmlformats.org/drawingml/2006/main" xmlns:r="http://schemas.openxmlformats.org/officeDocument/2006/relationships" xmlns:p="http://schemas.openxmlformats.org/presentationml/2006/main">
+  <p:cSld>
+    <p:spTree>
+      <p:nvGrpSpPr>
+        <p:cNvPr id="1" name=""/>
+        <p:cNvGrpSpPr/>
+        <p:nvPr/>
+      </p:nvGrpSpPr>
+      <p:grpSpPr>
+        <a:xfrm>
+          <a:off x="0" y="0"/>
+          <a:ext cx="0" cy="0"/>
+          <a:chOff x="0" y="0"/>
+          <a:chExt cx="0" cy="0"/>
+        </a:xfrm>
+      </p:grpSpPr>
+      <p:sp>
+        <p:nvSpPr>
+          <p:cNvPr id="2" name="Título 1"/>
+          <p:cNvSpPr>
+            <a:spLocks noGrp="1"/>
+          </p:cNvSpPr>
+          <p:nvPr>
+            <p:ph type="title"/>
+          </p:nvPr>
+        </p:nvSpPr>
+        <p:spPr/>
+        <p:txBody>
+          <a:bodyPr/>
+          <a:lstStyle/>
+          <a:p>
+            <a:r>
+              <a:rPr lang="es-ES" sz="4800" b="1" cap="all" spc="200" dirty="0">
+                <a:latin typeface="+mn-lt"/>
+                <a:ea typeface="+mn-ea"/>
+                <a:cs typeface="+mn-cs"/>
+              </a:rPr>
+              <a:t>Bibliografía</a:t>
+            </a:r>
+          </a:p>
+        </p:txBody>
+      </p:sp>
+      <p:sp>
+        <p:nvSpPr>
+          <p:cNvPr id="3" name="Marcador de contenido 2"/>
+          <p:cNvSpPr>
+            <a:spLocks noGrp="1"/>
+          </p:cNvSpPr>
+          <p:nvPr>
+            <p:ph idx="1"/>
+          </p:nvPr>
+        </p:nvSpPr>
+        <p:spPr/>
+        <p:txBody>
+          <a:bodyPr/>
+          <a:lstStyle/>
+          <a:p>
+            <a:r>
+              <a:rPr lang="es-ES" dirty="0">
+                <a:hlinkClick r:id="rId2"/>
+              </a:rPr>
+              <a:t>http://</a:t>
+            </a:r>
+            <a:r>
+              <a:rPr lang="es-ES" dirty="0" smtClean="0">
+                <a:hlinkClick r:id="rId2"/>
+              </a:rPr>
+              <a:t>php.net/manual/es/language.oop5.php</a:t>
+            </a:r>
+            <a:endParaRPr lang="es-ES" dirty="0" smtClean="0"/>
+          </a:p>
+          <a:p>
+            <a:r>
+              <a:rPr lang="es-ES" dirty="0">
+                <a:hlinkClick r:id="rId3"/>
+              </a:rPr>
+              <a:t>https://</a:t>
+            </a:r>
+            <a:r>
+              <a:rPr lang="es-ES" dirty="0" smtClean="0">
+                <a:hlinkClick r:id="rId3"/>
+              </a:rPr>
+              <a:t>github.com/PHPOffice/PhpSpreadsheet</a:t>
+            </a:r>
+            <a:endParaRPr lang="es-ES" dirty="0" smtClean="0"/>
+          </a:p>
+          <a:p>
+            <a:r>
+              <a:rPr lang="es-ES" dirty="0">
+                <a:hlinkClick r:id="rId4"/>
+              </a:rPr>
+              <a:t>http://</a:t>
+            </a:r>
+            <a:r>
+              <a:rPr lang="es-ES" dirty="0" smtClean="0">
+                <a:hlinkClick r:id="rId4"/>
+              </a:rPr>
+              <a:t>php.net/manual/es/book.pdo.php</a:t>
+            </a:r>
+            <a:endParaRPr lang="es-ES" dirty="0" smtClean="0"/>
+          </a:p>
+          <a:p>
+            <a:r>
+              <a:rPr lang="es-ES" dirty="0">
+                <a:hlinkClick r:id="rId5"/>
+              </a:rPr>
+              <a:t>http://www.fpdf.org</a:t>
+            </a:r>
+            <a:r>
+              <a:rPr lang="es-ES" dirty="0" smtClean="0">
+                <a:hlinkClick r:id="rId5"/>
+              </a:rPr>
+              <a:t>/</a:t>
+            </a:r>
+            <a:endParaRPr lang="es-ES" dirty="0" smtClean="0"/>
+          </a:p>
+          <a:p>
+            <a:r>
+              <a:rPr lang="es-ES" dirty="0" smtClean="0">
+                <a:hlinkClick r:id="rId6"/>
+              </a:rPr>
+              <a:t>https</a:t>
+            </a:r>
+            <a:r>
+              <a:rPr lang="es-ES" dirty="0">
+                <a:hlinkClick r:id="rId6"/>
+              </a:rPr>
+              <a:t>://</a:t>
+            </a:r>
+            <a:r>
+              <a:rPr lang="es-ES" dirty="0" smtClean="0">
+                <a:hlinkClick r:id="rId6"/>
+              </a:rPr>
+              <a:t>getcomposer.org/doc/00-intro.md</a:t>
+            </a:r>
+            <a:endParaRPr lang="es-ES" dirty="0" smtClean="0"/>
+          </a:p>
+          <a:p>
+            <a:endParaRPr lang="es-ES" dirty="0" smtClean="0"/>
+          </a:p>
+          <a:p>
+            <a:endParaRPr lang="es-ES" dirty="0" smtClean="0"/>
+          </a:p>
+          <a:p>
+            <a:endParaRPr lang="es-ES" dirty="0" smtClean="0"/>
+          </a:p>
+          <a:p>
+            <a:endParaRPr lang="es-ES" dirty="0"/>
+          </a:p>
+        </p:txBody>
+      </p:sp>
+    </p:spTree>
+    <p:extLst>
+      <p:ext uri="{BB962C8B-B14F-4D97-AF65-F5344CB8AC3E}">
+        <p14:creationId xmlns:p14="http://schemas.microsoft.com/office/powerpoint/2010/main" val="1416443265"/>
+      </p:ext>
+    </p:extLst>
+  </p:cSld>
+  <p:clrMapOvr>
+    <a:masterClrMapping/>
+  </p:clrMapOvr>
+  <mc:AlternateContent xmlns:mc="http://schemas.openxmlformats.org/markup-compatibility/2006" xmlns:p14="http://schemas.microsoft.com/office/powerpoint/2010/main">
+    <mc:Choice Requires="p14">
+      <p:transition spd="med" p14:dur="700">
+        <p:fade/>
+      </p:transition>
+    </mc:Choice>
+    <mc:Fallback xmlns="">
+      <p:transition spd="med">
+        <p:fade/>
+      </p:transition>
+    </mc:Fallback>
+  </mc:AlternateContent>
+  <p:timing>
+    <p:tnLst>
+      <p:par>
+        <p:cTn id="1" dur="indefinite" restart="never" nodeType="tmRoot"/>
+      </p:par>
+    </p:tnLst>
+  </p:timing>
+</p:sld>
+</file>
+
 <file path=ppt/slides/slide2.xml><?xml version="1.0" encoding="utf-8"?>
 <p:sld xmlns:a="http://schemas.openxmlformats.org/drawingml/2006/main" xmlns:r="http://schemas.openxmlformats.org/officeDocument/2006/relationships" xmlns:p="http://schemas.openxmlformats.org/presentationml/2006/main">
   <p:cSld>
+    <p:bg>
+      <p:bgPr>
+        <a:gradFill flip="none" rotWithShape="1">
+          <a:gsLst>
+            <a:gs pos="0">
+              <a:schemeClr val="bg2">
+                <a:tint val="100000"/>
+                <a:shade val="0"/>
+                <a:satMod val="100000"/>
+              </a:schemeClr>
+            </a:gs>
+            <a:gs pos="29000">
+              <a:schemeClr val="bg2">
+                <a:tint val="100000"/>
+                <a:shade val="30000"/>
+                <a:satMod val="100000"/>
+              </a:schemeClr>
+            </a:gs>
+            <a:gs pos="6000">
+              <a:schemeClr val="bg2">
+                <a:tint val="100000"/>
+                <a:shade val="30000"/>
+                <a:satMod val="100000"/>
+              </a:schemeClr>
+            </a:gs>
+          </a:gsLst>
+          <a:lin ang="3600000" scaled="0"/>
+          <a:tileRect/>
+        </a:gradFill>
+        <a:effectLst/>
+      </p:bgPr>
+    </p:bg>
     <p:spTree>
       <p:nvGrpSpPr>
         <p:cNvPr id="1" name=""/>
@@ -6343,7 +8227,14 @@
           <a:p>
             <a:pPr algn="ctr"/>
             <a:r>
-              <a:rPr lang="es-ES" dirty="0"/>
+              <a:rPr lang="es-ES" sz="4800" b="1" cap="all" spc="200" dirty="0">
+                <a:solidFill>
+                  <a:schemeClr val="accent1"/>
+                </a:solidFill>
+                <a:latin typeface="+mn-lt"/>
+                <a:ea typeface="+mn-ea"/>
+                <a:cs typeface="+mn-cs"/>
+              </a:rPr>
               <a:t>Índice</a:t>
             </a:r>
           </a:p>
@@ -6450,6 +8341,38 @@
 <file path=ppt/slides/slide3.xml><?xml version="1.0" encoding="utf-8"?>
 <p:sld xmlns:a="http://schemas.openxmlformats.org/drawingml/2006/main" xmlns:r="http://schemas.openxmlformats.org/officeDocument/2006/relationships" xmlns:p="http://schemas.openxmlformats.org/presentationml/2006/main">
   <p:cSld>
+    <p:bg>
+      <p:bgPr>
+        <a:gradFill flip="none" rotWithShape="1">
+          <a:gsLst>
+            <a:gs pos="0">
+              <a:schemeClr val="bg2">
+                <a:tint val="100000"/>
+                <a:shade val="0"/>
+                <a:satMod val="100000"/>
+              </a:schemeClr>
+            </a:gs>
+            <a:gs pos="29000">
+              <a:schemeClr val="bg2">
+                <a:tint val="100000"/>
+                <a:shade val="30000"/>
+                <a:satMod val="100000"/>
+              </a:schemeClr>
+            </a:gs>
+            <a:gs pos="6000">
+              <a:schemeClr val="bg2">
+                <a:tint val="100000"/>
+                <a:shade val="30000"/>
+                <a:satMod val="100000"/>
+              </a:schemeClr>
+            </a:gs>
+          </a:gsLst>
+          <a:lin ang="3600000" scaled="0"/>
+          <a:tileRect/>
+        </a:gradFill>
+        <a:effectLst/>
+      </p:bgPr>
+    </p:bg>
     <p:spTree>
       <p:nvGrpSpPr>
         <p:cNvPr id="1" name=""/>
@@ -6474,16 +8397,35 @@
             <p:ph type="title"/>
           </p:nvPr>
         </p:nvSpPr>
-        <p:spPr/>
+        <p:spPr>
+          <a:xfrm>
+            <a:off x="1237939" y="620688"/>
+            <a:ext cx="10360501" cy="1223963"/>
+          </a:xfrm>
+        </p:spPr>
         <p:txBody>
           <a:bodyPr/>
           <a:lstStyle/>
           <a:p>
             <a:r>
-              <a:rPr lang="es-ES" dirty="0" smtClean="0"/>
+              <a:rPr lang="es-ES" sz="4800" b="1" cap="all" spc="200" dirty="0">
+                <a:solidFill>
+                  <a:schemeClr val="accent1"/>
+                </a:solidFill>
+                <a:latin typeface="+mn-lt"/>
+                <a:ea typeface="+mn-ea"/>
+                <a:cs typeface="+mn-cs"/>
+              </a:rPr>
               <a:t>Introducción</a:t>
             </a:r>
-            <a:endParaRPr lang="es-ES" dirty="0"/>
+            <a:endParaRPr lang="es-ES" sz="4800" b="1" cap="all" spc="200" dirty="0">
+              <a:solidFill>
+                <a:schemeClr val="accent1"/>
+              </a:solidFill>
+              <a:latin typeface="+mn-lt"/>
+              <a:ea typeface="+mn-ea"/>
+              <a:cs typeface="+mn-cs"/>
+            </a:endParaRPr>
           </a:p>
         </p:txBody>
       </p:sp>
@@ -6560,6 +8502,38 @@
 <file path=ppt/slides/slide4.xml><?xml version="1.0" encoding="utf-8"?>
 <p:sld xmlns:a="http://schemas.openxmlformats.org/drawingml/2006/main" xmlns:r="http://schemas.openxmlformats.org/officeDocument/2006/relationships" xmlns:p="http://schemas.openxmlformats.org/presentationml/2006/main">
   <p:cSld>
+    <p:bg>
+      <p:bgPr>
+        <a:gradFill flip="none" rotWithShape="1">
+          <a:gsLst>
+            <a:gs pos="0">
+              <a:schemeClr val="bg2">
+                <a:tint val="100000"/>
+                <a:shade val="0"/>
+                <a:satMod val="100000"/>
+              </a:schemeClr>
+            </a:gs>
+            <a:gs pos="29000">
+              <a:schemeClr val="bg2">
+                <a:tint val="100000"/>
+                <a:shade val="30000"/>
+                <a:satMod val="100000"/>
+              </a:schemeClr>
+            </a:gs>
+            <a:gs pos="6000">
+              <a:schemeClr val="bg2">
+                <a:tint val="100000"/>
+                <a:shade val="30000"/>
+                <a:satMod val="100000"/>
+              </a:schemeClr>
+            </a:gs>
+          </a:gsLst>
+          <a:lin ang="3600000" scaled="0"/>
+          <a:tileRect/>
+        </a:gradFill>
+        <a:effectLst/>
+      </p:bgPr>
+    </p:bg>
     <p:spTree>
       <p:nvGrpSpPr>
         <p:cNvPr id="1" name=""/>
@@ -6586,7 +8560,7 @@
         </p:nvSpPr>
         <p:spPr>
           <a:xfrm>
-            <a:off x="1218883" y="260648"/>
+            <a:off x="1205880" y="620688"/>
             <a:ext cx="10360501" cy="1223963"/>
           </a:xfrm>
         </p:spPr>
@@ -6596,14 +8570,39 @@
           <a:p>
             <a:pPr algn="ctr"/>
             <a:r>
+              <a:rPr lang="es-ES" sz="4800" b="1" cap="all" spc="200" dirty="0">
+                <a:solidFill>
+                  <a:schemeClr val="accent1"/>
+                </a:solidFill>
+                <a:latin typeface="+mn-lt"/>
+                <a:ea typeface="+mn-ea"/>
+                <a:cs typeface="+mn-cs"/>
+              </a:rPr>
+              <a:t>Ámbito</a:t>
+            </a:r>
+            <a:r>
               <a:rPr lang="es-ES" dirty="0"/>
-              <a:t>Ámbito </a:t>
-            </a:r>
-            <a:r>
-              <a:rPr lang="es-ES" dirty="0" smtClean="0"/>
+              <a:t> </a:t>
+            </a:r>
+            <a:r>
+              <a:rPr lang="es-ES" sz="4800" b="1" cap="all" spc="200" dirty="0">
+                <a:solidFill>
+                  <a:schemeClr val="accent1"/>
+                </a:solidFill>
+                <a:latin typeface="+mn-lt"/>
+                <a:ea typeface="+mn-ea"/>
+                <a:cs typeface="+mn-cs"/>
+              </a:rPr>
               <a:t>y ciclo de vida</a:t>
             </a:r>
-            <a:endParaRPr lang="es-ES" dirty="0"/>
+            <a:endParaRPr lang="es-ES" sz="4800" b="1" cap="all" spc="200" dirty="0">
+              <a:solidFill>
+                <a:schemeClr val="accent1"/>
+              </a:solidFill>
+              <a:latin typeface="+mn-lt"/>
+              <a:ea typeface="+mn-ea"/>
+              <a:cs typeface="+mn-cs"/>
+            </a:endParaRPr>
           </a:p>
         </p:txBody>
       </p:sp>
@@ -6682,6 +8681,38 @@
 <file path=ppt/slides/slide5.xml><?xml version="1.0" encoding="utf-8"?>
 <p:sld xmlns:a="http://schemas.openxmlformats.org/drawingml/2006/main" xmlns:r="http://schemas.openxmlformats.org/officeDocument/2006/relationships" xmlns:p="http://schemas.openxmlformats.org/presentationml/2006/main">
   <p:cSld>
+    <p:bg>
+      <p:bgPr>
+        <a:gradFill flip="none" rotWithShape="1">
+          <a:gsLst>
+            <a:gs pos="0">
+              <a:schemeClr val="bg2">
+                <a:tint val="100000"/>
+                <a:shade val="0"/>
+                <a:satMod val="100000"/>
+              </a:schemeClr>
+            </a:gs>
+            <a:gs pos="29000">
+              <a:schemeClr val="bg2">
+                <a:tint val="100000"/>
+                <a:shade val="30000"/>
+                <a:satMod val="100000"/>
+              </a:schemeClr>
+            </a:gs>
+            <a:gs pos="6000">
+              <a:schemeClr val="bg2">
+                <a:tint val="100000"/>
+                <a:shade val="30000"/>
+                <a:satMod val="100000"/>
+              </a:schemeClr>
+            </a:gs>
+          </a:gsLst>
+          <a:lin ang="3600000" scaled="0"/>
+          <a:tileRect/>
+        </a:gradFill>
+        <a:effectLst/>
+      </p:bgPr>
+    </p:bg>
     <p:spTree>
       <p:nvGrpSpPr>
         <p:cNvPr id="1" name=""/>
@@ -6709,32 +8740,35 @@
         <p:spPr>
           <a:xfrm>
             <a:off x="1629916" y="3068960"/>
-            <a:ext cx="8938472" cy="1185096"/>
+            <a:ext cx="9505056" cy="1185096"/>
           </a:xfrm>
         </p:spPr>
         <p:txBody>
           <a:bodyPr rtlCol="0">
-            <a:normAutofit fontScale="90000"/>
+            <a:noAutofit/>
           </a:bodyPr>
           <a:lstStyle/>
           <a:p>
             <a:r>
-              <a:rPr lang="es-ES" b="1" dirty="0"/>
+              <a:rPr lang="es-ES" sz="4800" b="1" cap="all" spc="200" dirty="0">
+                <a:latin typeface="+mn-lt"/>
+                <a:ea typeface="+mn-ea"/>
+                <a:cs typeface="+mn-cs"/>
+              </a:rPr>
               <a:t>Especificación</a:t>
             </a:r>
             <a:r>
-              <a:rPr lang="es-ES" sz="8000" b="1" cap="all" spc="200" dirty="0">
-                <a:solidFill>
-                  <a:schemeClr val="accent1"/>
-                </a:solidFill>
+              <a:rPr lang="es-ES" sz="9600" b="1" cap="all" spc="200" dirty="0"/>
+              <a:t> </a:t>
+            </a:r>
+            <a:r>
+              <a:rPr lang="es-ES" sz="4800" b="1" cap="all" spc="200" dirty="0">
+                <a:latin typeface="+mn-lt"/>
+                <a:ea typeface="+mn-ea"/>
+                <a:cs typeface="+mn-cs"/>
               </a:rPr>
-              <a:t> </a:t>
-            </a:r>
-            <a:r>
-              <a:rPr lang="es-ES" b="1" dirty="0"/>
               <a:t>de requisitos</a:t>
             </a:r>
-            <a:endParaRPr lang="es-ES" dirty="0"/>
           </a:p>
         </p:txBody>
       </p:sp>
@@ -6760,12 +8794,51 @@
       </p:transition>
     </mc:Fallback>
   </mc:AlternateContent>
+  <p:timing>
+    <p:tnLst>
+      <p:par>
+        <p:cTn id="1" dur="indefinite" restart="never" nodeType="tmRoot"/>
+      </p:par>
+    </p:tnLst>
+  </p:timing>
 </p:sld>
 </file>
 
 <file path=ppt/slides/slide6.xml><?xml version="1.0" encoding="utf-8"?>
 <p:sld xmlns:a="http://schemas.openxmlformats.org/drawingml/2006/main" xmlns:r="http://schemas.openxmlformats.org/officeDocument/2006/relationships" xmlns:p="http://schemas.openxmlformats.org/presentationml/2006/main">
   <p:cSld>
+    <p:bg>
+      <p:bgPr>
+        <a:gradFill flip="none" rotWithShape="1">
+          <a:gsLst>
+            <a:gs pos="0">
+              <a:schemeClr val="bg2">
+                <a:tint val="100000"/>
+                <a:shade val="0"/>
+                <a:satMod val="100000"/>
+              </a:schemeClr>
+            </a:gs>
+            <a:gs pos="29000">
+              <a:schemeClr val="bg2">
+                <a:tint val="100000"/>
+                <a:shade val="30000"/>
+                <a:satMod val="100000"/>
+              </a:schemeClr>
+            </a:gs>
+            <a:gs pos="6000">
+              <a:schemeClr val="bg2">
+                <a:tint val="100000"/>
+                <a:shade val="30000"/>
+                <a:satMod val="100000"/>
+              </a:schemeClr>
+            </a:gs>
+          </a:gsLst>
+          <a:lin ang="3600000" scaled="0"/>
+          <a:tileRect/>
+        </a:gradFill>
+        <a:effectLst/>
+      </p:bgPr>
+    </p:bg>
     <p:spTree>
       <p:nvGrpSpPr>
         <p:cNvPr id="1" name=""/>
@@ -6925,6 +8998,38 @@
 <file path=ppt/slides/slide7.xml><?xml version="1.0" encoding="utf-8"?>
 <p:sld xmlns:a="http://schemas.openxmlformats.org/drawingml/2006/main" xmlns:r="http://schemas.openxmlformats.org/officeDocument/2006/relationships" xmlns:p="http://schemas.openxmlformats.org/presentationml/2006/main">
   <p:cSld>
+    <p:bg>
+      <p:bgPr>
+        <a:gradFill flip="none" rotWithShape="1">
+          <a:gsLst>
+            <a:gs pos="0">
+              <a:schemeClr val="bg2">
+                <a:tint val="100000"/>
+                <a:shade val="0"/>
+                <a:satMod val="100000"/>
+              </a:schemeClr>
+            </a:gs>
+            <a:gs pos="29000">
+              <a:schemeClr val="bg2">
+                <a:tint val="100000"/>
+                <a:shade val="30000"/>
+                <a:satMod val="100000"/>
+              </a:schemeClr>
+            </a:gs>
+            <a:gs pos="6000">
+              <a:schemeClr val="bg2">
+                <a:tint val="100000"/>
+                <a:shade val="30000"/>
+                <a:satMod val="100000"/>
+              </a:schemeClr>
+            </a:gs>
+          </a:gsLst>
+          <a:lin ang="3600000" scaled="0"/>
+          <a:tileRect/>
+        </a:gradFill>
+        <a:effectLst/>
+      </p:bgPr>
+    </p:bg>
     <p:spTree>
       <p:nvGrpSpPr>
         <p:cNvPr id="1" name=""/>
@@ -7066,6 +9171,38 @@
 <file path=ppt/slides/slide8.xml><?xml version="1.0" encoding="utf-8"?>
 <p:sld xmlns:a="http://schemas.openxmlformats.org/drawingml/2006/main" xmlns:r="http://schemas.openxmlformats.org/officeDocument/2006/relationships" xmlns:p="http://schemas.openxmlformats.org/presentationml/2006/main">
   <p:cSld>
+    <p:bg>
+      <p:bgPr>
+        <a:gradFill flip="none" rotWithShape="1">
+          <a:gsLst>
+            <a:gs pos="0">
+              <a:schemeClr val="bg2">
+                <a:tint val="100000"/>
+                <a:shade val="0"/>
+                <a:satMod val="100000"/>
+              </a:schemeClr>
+            </a:gs>
+            <a:gs pos="29000">
+              <a:schemeClr val="bg2">
+                <a:tint val="100000"/>
+                <a:shade val="30000"/>
+                <a:satMod val="100000"/>
+              </a:schemeClr>
+            </a:gs>
+            <a:gs pos="6000">
+              <a:schemeClr val="bg2">
+                <a:tint val="100000"/>
+                <a:shade val="30000"/>
+                <a:satMod val="100000"/>
+              </a:schemeClr>
+            </a:gs>
+          </a:gsLst>
+          <a:lin ang="3600000" scaled="0"/>
+          <a:tileRect/>
+        </a:gradFill>
+        <a:effectLst/>
+      </p:bgPr>
+    </p:bg>
     <p:spTree>
       <p:nvGrpSpPr>
         <p:cNvPr id="1" name=""/>
@@ -7242,6 +9379,38 @@
 <file path=ppt/slides/slide9.xml><?xml version="1.0" encoding="utf-8"?>
 <p:sld xmlns:a="http://schemas.openxmlformats.org/drawingml/2006/main" xmlns:r="http://schemas.openxmlformats.org/officeDocument/2006/relationships" xmlns:p="http://schemas.openxmlformats.org/presentationml/2006/main">
   <p:cSld>
+    <p:bg>
+      <p:bgPr>
+        <a:gradFill flip="none" rotWithShape="1">
+          <a:gsLst>
+            <a:gs pos="0">
+              <a:schemeClr val="bg2">
+                <a:tint val="100000"/>
+                <a:shade val="0"/>
+                <a:satMod val="100000"/>
+              </a:schemeClr>
+            </a:gs>
+            <a:gs pos="29000">
+              <a:schemeClr val="bg2">
+                <a:tint val="100000"/>
+                <a:shade val="30000"/>
+                <a:satMod val="100000"/>
+              </a:schemeClr>
+            </a:gs>
+            <a:gs pos="6000">
+              <a:schemeClr val="bg2">
+                <a:tint val="100000"/>
+                <a:shade val="30000"/>
+                <a:satMod val="100000"/>
+              </a:schemeClr>
+            </a:gs>
+          </a:gsLst>
+          <a:lin ang="3600000" scaled="0"/>
+          <a:tileRect/>
+        </a:gradFill>
+        <a:effectLst/>
+      </p:bgPr>
+    </p:bg>
     <p:spTree>
       <p:nvGrpSpPr>
         <p:cNvPr id="1" name=""/>
@@ -7273,14 +9442,19 @@
           </a:xfrm>
         </p:spPr>
         <p:txBody>
-          <a:bodyPr rtlCol="0"/>
+          <a:bodyPr rtlCol="0">
+            <a:normAutofit/>
+          </a:bodyPr>
           <a:lstStyle/>
           <a:p>
             <a:r>
-              <a:rPr lang="es-ES" b="1" dirty="0"/>
+              <a:rPr lang="es-ES" sz="4800" b="1" cap="all" spc="200" dirty="0">
+                <a:latin typeface="+mn-lt"/>
+                <a:ea typeface="+mn-ea"/>
+                <a:cs typeface="+mn-cs"/>
+              </a:rPr>
               <a:t>Diagrama de Flujo de Datos</a:t>
             </a:r>
-            <a:endParaRPr lang="es-ES" dirty="0"/>
           </a:p>
         </p:txBody>
       </p:sp>
@@ -8267,15 +10441,6 @@
 </file>
 
 <file path=customXml/item1.xml><?xml version="1.0" encoding="utf-8"?>
-<?mso-contentType ?>
-<FormTemplates xmlns="http://schemas.microsoft.com/sharepoint/v3/contenttype/forms">
-  <Display>DocumentLibraryForm</Display>
-  <Edit>AssetEditForm</Edit>
-  <New>DocumentLibraryForm</New>
-</FormTemplates>
-</file>
-
-<file path=customXml/item2.xml><?xml version="1.0" encoding="utf-8"?>
 <p:properties xmlns:p="http://schemas.microsoft.com/office/2006/metadata/properties" xmlns:xsi="http://www.w3.org/2001/XMLSchema-instance" xmlns:pc="http://schemas.microsoft.com/office/infopath/2007/PartnerControls">
   <documentManagement>
     <LocPublishedLinkedAssetsLookup xmlns="4873beb7-5857-4685-be1f-d57550cc96cc" xsi:nil="true"/>
@@ -8409,6 +10574,15 @@
     <LocMarketGroupTiers2 xmlns="4873beb7-5857-4685-be1f-d57550cc96cc" xsi:nil="true"/>
   </documentManagement>
 </p:properties>
+</file>
+
+<file path=customXml/item2.xml><?xml version="1.0" encoding="utf-8"?>
+<?mso-contentType ?>
+<FormTemplates xmlns="http://schemas.microsoft.com/sharepoint/v3/contenttype/forms">
+  <Display>DocumentLibraryForm</Display>
+  <Edit>AssetEditForm</Edit>
+  <New>DocumentLibraryForm</New>
+</FormTemplates>
 </file>
 
 <file path=customXml/item3.xml><?xml version="1.0" encoding="utf-8"?>
@@ -9452,14 +11626,6 @@
 </file>
 
 <file path=customXml/itemProps1.xml><?xml version="1.0" encoding="utf-8"?>
-<ds:datastoreItem xmlns:ds="http://schemas.openxmlformats.org/officeDocument/2006/customXml" ds:itemID="{3836F65B-1B07-41EE-A0E8-BC6EF3855225}">
-  <ds:schemaRefs>
-    <ds:schemaRef ds:uri="http://schemas.microsoft.com/sharepoint/v3/contenttype/forms"/>
-  </ds:schemaRefs>
-</ds:datastoreItem>
-</file>
-
-<file path=customXml/itemProps2.xml><?xml version="1.0" encoding="utf-8"?>
 <ds:datastoreItem xmlns:ds="http://schemas.openxmlformats.org/officeDocument/2006/customXml" ds:itemID="{60C67BEE-D13F-4BD2-98A5-34D8A0977F68}">
   <ds:schemaRefs>
     <ds:schemaRef ds:uri="4873beb7-5857-4685-be1f-d57550cc96cc"/>
@@ -9471,6 +11637,14 @@
     <ds:schemaRef ds:uri="http://schemas.microsoft.com/office/infopath/2007/PartnerControls"/>
     <ds:schemaRef ds:uri="http://www.w3.org/XML/1998/namespace"/>
     <ds:schemaRef ds:uri="http://purl.org/dc/dcmitype/"/>
+  </ds:schemaRefs>
+</ds:datastoreItem>
+</file>
+
+<file path=customXml/itemProps2.xml><?xml version="1.0" encoding="utf-8"?>
+<ds:datastoreItem xmlns:ds="http://schemas.openxmlformats.org/officeDocument/2006/customXml" ds:itemID="{3836F65B-1B07-41EE-A0E8-BC6EF3855225}">
+  <ds:schemaRefs>
+    <ds:schemaRef ds:uri="http://schemas.microsoft.com/sharepoint/v3/contenttype/forms"/>
   </ds:schemaRefs>
 </ds:datastoreItem>
 </file>

--- a/doc/Presentación/Generador de informes RFESS.pptx
+++ b/doc/Presentación/Generador de informes RFESS.pptx
@@ -369,7 +369,6 @@
           </c:extLst>
         </c:ser>
         <c:dLbls>
-          <c:dLblPos val="ctr"/>
           <c:showLegendKey val="0"/>
           <c:showVal val="0"/>
           <c:showCatName val="0"/>
@@ -1424,38 +1423,37 @@
           <a:p>
             <a:pPr lvl="0" rtl="0"/>
             <a:r>
-              <a:rPr lang="es-ES" noProof="0" dirty="0" smtClean="0"/>
+              <a:rPr lang="es-ES" noProof="0" dirty="0"/>
               <a:t>Haga clic para modificar el estilo de texto del patrón</a:t>
             </a:r>
           </a:p>
           <a:p>
             <a:pPr lvl="1" rtl="0"/>
             <a:r>
-              <a:rPr lang="es-ES" noProof="0" dirty="0" smtClean="0"/>
+              <a:rPr lang="es-ES" noProof="0" dirty="0"/>
               <a:t>Segundo nivel</a:t>
             </a:r>
           </a:p>
           <a:p>
             <a:pPr lvl="2" rtl="0"/>
             <a:r>
-              <a:rPr lang="es-ES" noProof="0" dirty="0" smtClean="0"/>
+              <a:rPr lang="es-ES" noProof="0" dirty="0"/>
               <a:t>Tercer nivel</a:t>
             </a:r>
           </a:p>
           <a:p>
             <a:pPr lvl="3" rtl="0"/>
             <a:r>
-              <a:rPr lang="es-ES" noProof="0" dirty="0" smtClean="0"/>
+              <a:rPr lang="es-ES" noProof="0" dirty="0"/>
               <a:t>Cuarto nivel</a:t>
             </a:r>
           </a:p>
           <a:p>
             <a:pPr lvl="4" rtl="0"/>
             <a:r>
-              <a:rPr lang="es-ES" noProof="0" dirty="0" smtClean="0"/>
+              <a:rPr lang="es-ES" noProof="0" dirty="0"/>
               <a:t>Quinto nivel</a:t>
             </a:r>
-            <a:endParaRPr lang="es-ES" noProof="0" dirty="0"/>
           </a:p>
         </p:txBody>
       </p:sp>
@@ -1862,7 +1860,7 @@
               <a:defRPr/>
             </a:pPr>
             <a:r>
-              <a:rPr lang="es-ES" dirty="0" smtClean="0"/>
+              <a:rPr lang="es-ES" dirty="0"/>
               <a:t>Aplicación destinada a la centralización de datos de jornadas deportivas (tiempos, categoría, prueba, etc.) para su posterior generación de informes dependiendo de los criterios que indique el usuario. Para la realización de este proyecto se utilizara un ciclo de vida en espiral.</a:t>
             </a:r>
           </a:p>
@@ -2774,7 +2772,7 @@
           <a:p>
             <a:pPr rtl="0"/>
             <a:r>
-              <a:rPr lang="es-ES" noProof="0" smtClean="0"/>
+              <a:rPr lang="es-ES" noProof="0"/>
               <a:t>Haga clic para modificar el estilo de título del patrón</a:t>
             </a:r>
             <a:endParaRPr lang="es-ES" noProof="0" dirty="0"/>
@@ -2897,7 +2895,7 @@
           <a:p>
             <a:pPr rtl="0"/>
             <a:r>
-              <a:rPr lang="es-ES" noProof="0" smtClean="0"/>
+              <a:rPr lang="es-ES" noProof="0"/>
               <a:t>Haga clic para editar el estilo de subtítulo del patrón</a:t>
             </a:r>
             <a:endParaRPr lang="es-ES" noProof="0" dirty="0"/>
@@ -3039,7 +3037,7 @@
           <a:p>
             <a:pPr rtl="0"/>
             <a:r>
-              <a:rPr lang="es-ES" noProof="0" smtClean="0"/>
+              <a:rPr lang="es-ES" noProof="0"/>
               <a:t>Haga clic para modificar el estilo de título del patrón</a:t>
             </a:r>
             <a:endParaRPr lang="es-ES" noProof="0" dirty="0"/>
@@ -3079,35 +3077,35 @@
           <a:p>
             <a:pPr lvl="0" rtl="0"/>
             <a:r>
-              <a:rPr lang="es-ES" noProof="0" smtClean="0"/>
+              <a:rPr lang="es-ES" noProof="0"/>
               <a:t>Editar el estilo de texto del patrón</a:t>
             </a:r>
           </a:p>
           <a:p>
             <a:pPr lvl="1" rtl="0"/>
             <a:r>
-              <a:rPr lang="es-ES" noProof="0" smtClean="0"/>
+              <a:rPr lang="es-ES" noProof="0"/>
               <a:t>Segundo nivel</a:t>
             </a:r>
           </a:p>
           <a:p>
             <a:pPr lvl="2" rtl="0"/>
             <a:r>
-              <a:rPr lang="es-ES" noProof="0" smtClean="0"/>
+              <a:rPr lang="es-ES" noProof="0"/>
               <a:t>Tercer nivel</a:t>
             </a:r>
           </a:p>
           <a:p>
             <a:pPr lvl="3" rtl="0"/>
             <a:r>
-              <a:rPr lang="es-ES" noProof="0" smtClean="0"/>
+              <a:rPr lang="es-ES" noProof="0"/>
               <a:t>Cuarto nivel</a:t>
             </a:r>
           </a:p>
           <a:p>
             <a:pPr lvl="4" rtl="0"/>
             <a:r>
-              <a:rPr lang="es-ES" noProof="0" smtClean="0"/>
+              <a:rPr lang="es-ES" noProof="0"/>
               <a:t>Quinto nivel</a:t>
             </a:r>
             <a:endParaRPr lang="es-ES" noProof="0" dirty="0"/>
@@ -3250,7 +3248,7 @@
           <a:p>
             <a:pPr rtl="0"/>
             <a:r>
-              <a:rPr lang="es-ES" noProof="0" smtClean="0"/>
+              <a:rPr lang="es-ES" noProof="0"/>
               <a:t>Haga clic para modificar el estilo de título del patrón</a:t>
             </a:r>
             <a:endParaRPr lang="es-ES" noProof="0" dirty="0"/>
@@ -3295,35 +3293,35 @@
           <a:p>
             <a:pPr lvl="0" rtl="0"/>
             <a:r>
-              <a:rPr lang="es-ES" noProof="0" smtClean="0"/>
+              <a:rPr lang="es-ES" noProof="0"/>
               <a:t>Editar el estilo de texto del patrón</a:t>
             </a:r>
           </a:p>
           <a:p>
             <a:pPr lvl="1" rtl="0"/>
             <a:r>
-              <a:rPr lang="es-ES" noProof="0" smtClean="0"/>
+              <a:rPr lang="es-ES" noProof="0"/>
               <a:t>Segundo nivel</a:t>
             </a:r>
           </a:p>
           <a:p>
             <a:pPr lvl="2" rtl="0"/>
             <a:r>
-              <a:rPr lang="es-ES" noProof="0" smtClean="0"/>
+              <a:rPr lang="es-ES" noProof="0"/>
               <a:t>Tercer nivel</a:t>
             </a:r>
           </a:p>
           <a:p>
             <a:pPr lvl="3" rtl="0"/>
             <a:r>
-              <a:rPr lang="es-ES" noProof="0" smtClean="0"/>
+              <a:rPr lang="es-ES" noProof="0"/>
               <a:t>Cuarto nivel</a:t>
             </a:r>
           </a:p>
           <a:p>
             <a:pPr lvl="4" rtl="0"/>
             <a:r>
-              <a:rPr lang="es-ES" noProof="0" smtClean="0"/>
+              <a:rPr lang="es-ES" noProof="0"/>
               <a:t>Quinto nivel</a:t>
             </a:r>
             <a:endParaRPr lang="es-ES" noProof="0" dirty="0"/>
@@ -3461,7 +3459,7 @@
           <a:p>
             <a:pPr rtl="0"/>
             <a:r>
-              <a:rPr lang="es-ES" noProof="0" smtClean="0"/>
+              <a:rPr lang="es-ES" noProof="0"/>
               <a:t>Haga clic para modificar el estilo de título del patrón</a:t>
             </a:r>
             <a:endParaRPr lang="es-ES" noProof="0" dirty="0"/>
@@ -3501,35 +3499,35 @@
           <a:p>
             <a:pPr lvl="0" rtl="0"/>
             <a:r>
-              <a:rPr lang="es-ES" noProof="0" smtClean="0"/>
+              <a:rPr lang="es-ES" noProof="0"/>
               <a:t>Editar el estilo de texto del patrón</a:t>
             </a:r>
           </a:p>
           <a:p>
             <a:pPr lvl="1" rtl="0"/>
             <a:r>
-              <a:rPr lang="es-ES" noProof="0" smtClean="0"/>
+              <a:rPr lang="es-ES" noProof="0"/>
               <a:t>Segundo nivel</a:t>
             </a:r>
           </a:p>
           <a:p>
             <a:pPr lvl="2" rtl="0"/>
             <a:r>
-              <a:rPr lang="es-ES" noProof="0" smtClean="0"/>
+              <a:rPr lang="es-ES" noProof="0"/>
               <a:t>Tercer nivel</a:t>
             </a:r>
           </a:p>
           <a:p>
             <a:pPr lvl="3" rtl="0"/>
             <a:r>
-              <a:rPr lang="es-ES" noProof="0" smtClean="0"/>
+              <a:rPr lang="es-ES" noProof="0"/>
               <a:t>Cuarto nivel</a:t>
             </a:r>
           </a:p>
           <a:p>
             <a:pPr lvl="4" rtl="0"/>
             <a:r>
-              <a:rPr lang="es-ES" noProof="0" smtClean="0"/>
+              <a:rPr lang="es-ES" noProof="0"/>
               <a:t>Quinto nivel</a:t>
             </a:r>
             <a:endParaRPr lang="es-ES" noProof="0" dirty="0"/>
@@ -3847,7 +3845,7 @@
           <a:p>
             <a:pPr rtl="0"/>
             <a:r>
-              <a:rPr lang="es-ES" noProof="0" smtClean="0"/>
+              <a:rPr lang="es-ES" noProof="0"/>
               <a:t>Haga clic para modificar el estilo de título del patrón</a:t>
             </a:r>
             <a:endParaRPr lang="es-ES" noProof="0" dirty="0"/>
@@ -3970,7 +3968,7 @@
           <a:p>
             <a:pPr lvl="0" rtl="0"/>
             <a:r>
-              <a:rPr lang="es-ES" noProof="0" smtClean="0"/>
+              <a:rPr lang="es-ES" noProof="0"/>
               <a:t>Editar el estilo de texto del patrón</a:t>
             </a:r>
           </a:p>
@@ -4107,7 +4105,7 @@
           <a:p>
             <a:pPr rtl="0"/>
             <a:r>
-              <a:rPr lang="es-ES" noProof="0" smtClean="0"/>
+              <a:rPr lang="es-ES" noProof="0"/>
               <a:t>Haga clic para modificar el estilo de título del patrón</a:t>
             </a:r>
             <a:endParaRPr lang="es-ES" noProof="0" dirty="0"/>
@@ -4166,35 +4164,35 @@
           <a:p>
             <a:pPr lvl="0" rtl="0"/>
             <a:r>
-              <a:rPr lang="es-ES" noProof="0" smtClean="0"/>
+              <a:rPr lang="es-ES" noProof="0"/>
               <a:t>Editar el estilo de texto del patrón</a:t>
             </a:r>
           </a:p>
           <a:p>
             <a:pPr lvl="1" rtl="0"/>
             <a:r>
-              <a:rPr lang="es-ES" noProof="0" smtClean="0"/>
+              <a:rPr lang="es-ES" noProof="0"/>
               <a:t>Segundo nivel</a:t>
             </a:r>
           </a:p>
           <a:p>
             <a:pPr lvl="2" rtl="0"/>
             <a:r>
-              <a:rPr lang="es-ES" noProof="0" smtClean="0"/>
+              <a:rPr lang="es-ES" noProof="0"/>
               <a:t>Tercer nivel</a:t>
             </a:r>
           </a:p>
           <a:p>
             <a:pPr lvl="3" rtl="0"/>
             <a:r>
-              <a:rPr lang="es-ES" noProof="0" smtClean="0"/>
+              <a:rPr lang="es-ES" noProof="0"/>
               <a:t>Cuarto nivel</a:t>
             </a:r>
           </a:p>
           <a:p>
             <a:pPr lvl="4" rtl="0"/>
             <a:r>
-              <a:rPr lang="es-ES" noProof="0" smtClean="0"/>
+              <a:rPr lang="es-ES" noProof="0"/>
               <a:t>Quinto nivel</a:t>
             </a:r>
             <a:endParaRPr lang="es-ES" noProof="0" dirty="0"/>
@@ -4253,35 +4251,35 @@
           <a:p>
             <a:pPr lvl="0" rtl="0"/>
             <a:r>
-              <a:rPr lang="es-ES" noProof="0" smtClean="0"/>
+              <a:rPr lang="es-ES" noProof="0"/>
               <a:t>Editar el estilo de texto del patrón</a:t>
             </a:r>
           </a:p>
           <a:p>
             <a:pPr lvl="1" rtl="0"/>
             <a:r>
-              <a:rPr lang="es-ES" noProof="0" smtClean="0"/>
+              <a:rPr lang="es-ES" noProof="0"/>
               <a:t>Segundo nivel</a:t>
             </a:r>
           </a:p>
           <a:p>
             <a:pPr lvl="2" rtl="0"/>
             <a:r>
-              <a:rPr lang="es-ES" noProof="0" smtClean="0"/>
+              <a:rPr lang="es-ES" noProof="0"/>
               <a:t>Tercer nivel</a:t>
             </a:r>
           </a:p>
           <a:p>
             <a:pPr lvl="3" rtl="0"/>
             <a:r>
-              <a:rPr lang="es-ES" noProof="0" smtClean="0"/>
+              <a:rPr lang="es-ES" noProof="0"/>
               <a:t>Cuarto nivel</a:t>
             </a:r>
           </a:p>
           <a:p>
             <a:pPr lvl="4" rtl="0"/>
             <a:r>
-              <a:rPr lang="es-ES" noProof="0" smtClean="0"/>
+              <a:rPr lang="es-ES" noProof="0"/>
               <a:t>Quinto nivel</a:t>
             </a:r>
             <a:endParaRPr lang="es-ES" noProof="0" dirty="0"/>
@@ -4423,7 +4421,7 @@
           <a:p>
             <a:pPr rtl="0"/>
             <a:r>
-              <a:rPr lang="es-ES" noProof="0" smtClean="0"/>
+              <a:rPr lang="es-ES" noProof="0"/>
               <a:t>Haga clic para modificar el estilo de título del patrón</a:t>
             </a:r>
             <a:endParaRPr lang="es-ES" noProof="0" dirty="0"/>
@@ -4498,7 +4496,7 @@
           <a:p>
             <a:pPr lvl="0" rtl="0"/>
             <a:r>
-              <a:rPr lang="es-ES" noProof="0" smtClean="0"/>
+              <a:rPr lang="es-ES" noProof="0"/>
               <a:t>Editar el estilo de texto del patrón</a:t>
             </a:r>
           </a:p>
@@ -4556,35 +4554,35 @@
           <a:p>
             <a:pPr lvl="0" rtl="0"/>
             <a:r>
-              <a:rPr lang="es-ES" noProof="0" smtClean="0"/>
+              <a:rPr lang="es-ES" noProof="0"/>
               <a:t>Editar el estilo de texto del patrón</a:t>
             </a:r>
           </a:p>
           <a:p>
             <a:pPr lvl="1" rtl="0"/>
             <a:r>
-              <a:rPr lang="es-ES" noProof="0" smtClean="0"/>
+              <a:rPr lang="es-ES" noProof="0"/>
               <a:t>Segundo nivel</a:t>
             </a:r>
           </a:p>
           <a:p>
             <a:pPr lvl="2" rtl="0"/>
             <a:r>
-              <a:rPr lang="es-ES" noProof="0" smtClean="0"/>
+              <a:rPr lang="es-ES" noProof="0"/>
               <a:t>Tercer nivel</a:t>
             </a:r>
           </a:p>
           <a:p>
             <a:pPr lvl="3" rtl="0"/>
             <a:r>
-              <a:rPr lang="es-ES" noProof="0" smtClean="0"/>
+              <a:rPr lang="es-ES" noProof="0"/>
               <a:t>Cuarto nivel</a:t>
             </a:r>
           </a:p>
           <a:p>
             <a:pPr lvl="4" rtl="0"/>
             <a:r>
-              <a:rPr lang="es-ES" noProof="0" smtClean="0"/>
+              <a:rPr lang="es-ES" noProof="0"/>
               <a:t>Quinto nivel</a:t>
             </a:r>
             <a:endParaRPr lang="es-ES" noProof="0" dirty="0"/>
@@ -4659,7 +4657,7 @@
           <a:p>
             <a:pPr lvl="0" rtl="0"/>
             <a:r>
-              <a:rPr lang="es-ES" noProof="0" smtClean="0"/>
+              <a:rPr lang="es-ES" noProof="0"/>
               <a:t>Editar el estilo de texto del patrón</a:t>
             </a:r>
           </a:p>
@@ -4717,35 +4715,35 @@
           <a:p>
             <a:pPr lvl="0" rtl="0"/>
             <a:r>
-              <a:rPr lang="es-ES" noProof="0" smtClean="0"/>
+              <a:rPr lang="es-ES" noProof="0"/>
               <a:t>Editar el estilo de texto del patrón</a:t>
             </a:r>
           </a:p>
           <a:p>
             <a:pPr lvl="1" rtl="0"/>
             <a:r>
-              <a:rPr lang="es-ES" noProof="0" smtClean="0"/>
+              <a:rPr lang="es-ES" noProof="0"/>
               <a:t>Segundo nivel</a:t>
             </a:r>
           </a:p>
           <a:p>
             <a:pPr lvl="2" rtl="0"/>
             <a:r>
-              <a:rPr lang="es-ES" noProof="0" smtClean="0"/>
+              <a:rPr lang="es-ES" noProof="0"/>
               <a:t>Tercer nivel</a:t>
             </a:r>
           </a:p>
           <a:p>
             <a:pPr lvl="3" rtl="0"/>
             <a:r>
-              <a:rPr lang="es-ES" noProof="0" smtClean="0"/>
+              <a:rPr lang="es-ES" noProof="0"/>
               <a:t>Cuarto nivel</a:t>
             </a:r>
           </a:p>
           <a:p>
             <a:pPr lvl="4" rtl="0"/>
             <a:r>
-              <a:rPr lang="es-ES" noProof="0" smtClean="0"/>
+              <a:rPr lang="es-ES" noProof="0"/>
               <a:t>Quinto nivel</a:t>
             </a:r>
             <a:endParaRPr lang="es-ES" noProof="0" dirty="0"/>
@@ -4883,7 +4881,7 @@
           <a:p>
             <a:pPr rtl="0"/>
             <a:r>
-              <a:rPr lang="es-ES" noProof="0" smtClean="0"/>
+              <a:rPr lang="es-ES" noProof="0"/>
               <a:t>Haga clic para modificar el estilo de título del patrón</a:t>
             </a:r>
             <a:endParaRPr lang="es-ES" noProof="0" dirty="0"/>
@@ -5150,7 +5148,7 @@
           <a:p>
             <a:pPr rtl="0"/>
             <a:r>
-              <a:rPr lang="es-ES" noProof="0" smtClean="0"/>
+              <a:rPr lang="es-ES" noProof="0"/>
               <a:t>Haga clic para modificar el estilo de título del patrón</a:t>
             </a:r>
             <a:endParaRPr lang="es-ES" noProof="0" dirty="0"/>
@@ -5218,7 +5216,7 @@
           <a:p>
             <a:pPr lvl="0" rtl="0"/>
             <a:r>
-              <a:rPr lang="es-ES" noProof="0" smtClean="0"/>
+              <a:rPr lang="es-ES" noProof="0"/>
               <a:t>Editar el estilo de texto del patrón</a:t>
             </a:r>
           </a:p>
@@ -5276,35 +5274,35 @@
           <a:p>
             <a:pPr lvl="0" rtl="0"/>
             <a:r>
-              <a:rPr lang="es-ES" noProof="0" smtClean="0"/>
+              <a:rPr lang="es-ES" noProof="0"/>
               <a:t>Editar el estilo de texto del patrón</a:t>
             </a:r>
           </a:p>
           <a:p>
             <a:pPr lvl="1" rtl="0"/>
             <a:r>
-              <a:rPr lang="es-ES" noProof="0" smtClean="0"/>
+              <a:rPr lang="es-ES" noProof="0"/>
               <a:t>Segundo nivel</a:t>
             </a:r>
           </a:p>
           <a:p>
             <a:pPr lvl="2" rtl="0"/>
             <a:r>
-              <a:rPr lang="es-ES" noProof="0" smtClean="0"/>
+              <a:rPr lang="es-ES" noProof="0"/>
               <a:t>Tercer nivel</a:t>
             </a:r>
           </a:p>
           <a:p>
             <a:pPr lvl="3" rtl="0"/>
             <a:r>
-              <a:rPr lang="es-ES" noProof="0" smtClean="0"/>
+              <a:rPr lang="es-ES" noProof="0"/>
               <a:t>Cuarto nivel</a:t>
             </a:r>
           </a:p>
           <a:p>
             <a:pPr lvl="4" rtl="0"/>
             <a:r>
-              <a:rPr lang="es-ES" noProof="0" smtClean="0"/>
+              <a:rPr lang="es-ES" noProof="0"/>
               <a:t>Quinto nivel</a:t>
             </a:r>
             <a:endParaRPr lang="es-ES" noProof="0" dirty="0"/>
@@ -5457,7 +5455,7 @@
           <a:p>
             <a:pPr rtl="0"/>
             <a:r>
-              <a:rPr lang="es-ES" noProof="0" smtClean="0"/>
+              <a:rPr lang="es-ES" noProof="0"/>
               <a:t>Haga clic para modificar el estilo de título del patrón</a:t>
             </a:r>
             <a:endParaRPr lang="es-ES" noProof="0" dirty="0"/>
@@ -5525,7 +5523,7 @@
           <a:p>
             <a:pPr lvl="0" rtl="0"/>
             <a:r>
-              <a:rPr lang="es-ES" noProof="0" smtClean="0"/>
+              <a:rPr lang="es-ES" noProof="0"/>
               <a:t>Editar el estilo de texto del patrón</a:t>
             </a:r>
           </a:p>
@@ -5601,7 +5599,7 @@
           <a:p>
             <a:pPr rtl="0"/>
             <a:r>
-              <a:rPr lang="es-ES" noProof="0" smtClean="0"/>
+              <a:rPr lang="es-ES" noProof="0"/>
               <a:t>Haga clic en el icono para agregar una imagen</a:t>
             </a:r>
             <a:endParaRPr lang="es-ES" noProof="0" dirty="0"/>
@@ -6151,10 +6149,9 @@
           <a:p>
             <a:pPr rtl="0"/>
             <a:r>
-              <a:rPr lang="es-ES" noProof="0" dirty="0" smtClean="0"/>
+              <a:rPr lang="es-ES" noProof="0" dirty="0"/>
               <a:t>Haga clic para modificar el estilo de título del patrón</a:t>
             </a:r>
-            <a:endParaRPr lang="es-ES" noProof="0" dirty="0"/>
           </a:p>
         </p:txBody>
       </p:sp>
@@ -6185,38 +6182,37 @@
           <a:p>
             <a:pPr lvl="0" rtl="0"/>
             <a:r>
-              <a:rPr lang="es-ES" noProof="0" dirty="0" smtClean="0"/>
+              <a:rPr lang="es-ES" noProof="0" dirty="0"/>
               <a:t>Editar estilos de texto del patrón</a:t>
             </a:r>
           </a:p>
           <a:p>
             <a:pPr lvl="1" rtl="0"/>
             <a:r>
-              <a:rPr lang="es-ES" noProof="0" dirty="0" smtClean="0"/>
+              <a:rPr lang="es-ES" noProof="0" dirty="0"/>
               <a:t>Segundo nivel</a:t>
             </a:r>
           </a:p>
           <a:p>
             <a:pPr lvl="2" rtl="0"/>
             <a:r>
-              <a:rPr lang="es-ES" noProof="0" dirty="0" smtClean="0"/>
+              <a:rPr lang="es-ES" noProof="0" dirty="0"/>
               <a:t>Tercer nivel</a:t>
             </a:r>
           </a:p>
           <a:p>
             <a:pPr lvl="3" rtl="0"/>
             <a:r>
-              <a:rPr lang="es-ES" noProof="0" dirty="0" smtClean="0"/>
+              <a:rPr lang="es-ES" noProof="0" dirty="0"/>
               <a:t>Cuarto nivel</a:t>
             </a:r>
           </a:p>
           <a:p>
             <a:pPr lvl="4" rtl="0"/>
             <a:r>
-              <a:rPr lang="es-ES" noProof="0" dirty="0" smtClean="0"/>
+              <a:rPr lang="es-ES" noProof="0" dirty="0"/>
               <a:t>Quinto nivel</a:t>
             </a:r>
-            <a:endParaRPr lang="es-ES" noProof="0" dirty="0"/>
           </a:p>
         </p:txBody>
       </p:sp>
@@ -6780,12 +6776,8 @@
           <a:lstStyle/>
           <a:p>
             <a:r>
-              <a:rPr lang="es-ES" dirty="0" smtClean="0"/>
-              <a:t>Generador de informes </a:t>
-            </a:r>
-            <a:r>
               <a:rPr lang="es-ES" dirty="0"/>
-              <a:t>RFESS</a:t>
+              <a:t>Generador de informes RFESS</a:t>
             </a:r>
           </a:p>
         </p:txBody>
@@ -6812,10 +6804,9 @@
           <a:p>
             <a:pPr rtl="0"/>
             <a:r>
-              <a:rPr lang="es-ES" dirty="0" smtClean="0"/>
+              <a:rPr lang="es-ES" dirty="0"/>
               <a:t>Proyecto de integración</a:t>
             </a:r>
-            <a:endParaRPr lang="es-ES" dirty="0"/>
           </a:p>
         </p:txBody>
       </p:sp>
@@ -6843,7 +6834,7 @@
           <a:p>
             <a:pPr algn="r"/>
             <a:r>
-              <a:rPr lang="es-ES" dirty="0" smtClean="0"/>
+              <a:rPr lang="es-ES" dirty="0"/>
               <a:t>Carlos Marrero Ramos</a:t>
             </a:r>
           </a:p>
@@ -6851,20 +6842,15 @@
             <a:pPr algn="r"/>
             <a:r>
               <a:rPr lang="es-ES" dirty="0"/>
-              <a:t>Cristo M. Estévez </a:t>
-            </a:r>
-            <a:r>
-              <a:rPr lang="es-ES" dirty="0" smtClean="0"/>
-              <a:t>Hernández</a:t>
+              <a:t>Cristo M. Estévez Hernández</a:t>
             </a:r>
           </a:p>
           <a:p>
             <a:pPr algn="r"/>
             <a:r>
-              <a:rPr lang="es-ES" dirty="0" smtClean="0"/>
+              <a:rPr lang="es-ES" dirty="0"/>
               <a:t>María Elvira Rodríguez Luis</a:t>
             </a:r>
-            <a:endParaRPr lang="es-ES" dirty="0"/>
           </a:p>
         </p:txBody>
       </p:sp>
@@ -6920,13 +6906,6 @@
       </p:transition>
     </mc:Fallback>
   </mc:AlternateContent>
-  <p:timing>
-    <p:tnLst>
-      <p:par>
-        <p:cTn id="1" dur="indefinite" restart="never" nodeType="tmRoot"/>
-      </p:par>
-    </p:tnLst>
-  </p:timing>
 </p:sld>
 </file>
 
@@ -7054,13 +7033,6 @@
       </p:transition>
     </mc:Fallback>
   </mc:AlternateContent>
-  <p:timing>
-    <p:tnLst>
-      <p:par>
-        <p:cTn id="1" dur="indefinite" restart="never" nodeType="tmRoot"/>
-      </p:par>
-    </p:tnLst>
-  </p:timing>
 </p:sld>
 </file>
 
@@ -7188,13 +7160,6 @@
       </p:transition>
     </mc:Fallback>
   </mc:AlternateContent>
-  <p:timing>
-    <p:tnLst>
-      <p:par>
-        <p:cTn id="1" dur="indefinite" restart="never" nodeType="tmRoot"/>
-      </p:par>
-    </p:tnLst>
-  </p:timing>
 </p:sld>
 </file>
 
@@ -7273,46 +7238,22 @@
                 <a:ea typeface="+mn-ea"/>
                 <a:cs typeface="+mn-cs"/>
               </a:rPr>
-              <a:t>Diagrama Entidad </a:t>
-            </a:r>
-            <a:r>
-              <a:rPr lang="es-ES" b="1" cap="all" spc="200" dirty="0">
-                <a:solidFill>
-                  <a:schemeClr val="accent1"/>
-                </a:solidFill>
-                <a:latin typeface="+mn-lt"/>
-                <a:ea typeface="+mn-ea"/>
-                <a:cs typeface="+mn-cs"/>
-              </a:rPr>
-              <a:t>Relación</a:t>
-            </a:r>
-            <a:r>
-              <a:rPr lang="es-ES" b="1" cap="all" spc="200" dirty="0">
-                <a:solidFill>
-                  <a:schemeClr val="accent1"/>
-                </a:solidFill>
-                <a:latin typeface="+mn-lt"/>
-                <a:ea typeface="+mn-ea"/>
-                <a:cs typeface="+mn-cs"/>
-              </a:rPr>
-              <a:t> (Alternativa)</a:t>
-            </a:r>
-            <a:endParaRPr lang="es-ES" b="1" cap="all" spc="200" dirty="0">
-              <a:solidFill>
-                <a:schemeClr val="accent1"/>
-              </a:solidFill>
-              <a:latin typeface="+mn-lt"/>
-              <a:ea typeface="+mn-ea"/>
-              <a:cs typeface="+mn-cs"/>
-            </a:endParaRPr>
+              <a:t>Diagrama Entidad Relación (Alternativa)</a:t>
+            </a:r>
           </a:p>
         </p:txBody>
       </p:sp>
       <p:pic>
         <p:nvPicPr>
-          <p:cNvPr id="1026" name="Picture 2" descr="https://github.com/Cristoto/FederacionInformes/raw/master/doc/AltertanivaER/ER.png"/>
+          <p:cNvPr id="4" name="Imagen 3">
+            <a:extLst>
+              <a:ext uri="{FF2B5EF4-FFF2-40B4-BE49-F238E27FC236}">
+                <a16:creationId xmlns:a16="http://schemas.microsoft.com/office/drawing/2014/main" id="{8C16B2A7-E68E-4ED2-BEF1-CAF62519C73F}"/>
+              </a:ext>
+            </a:extLst>
+          </p:cNvPr>
           <p:cNvPicPr>
-            <a:picLocks noChangeAspect="1" noChangeArrowheads="1"/>
+            <a:picLocks noChangeAspect="1"/>
           </p:cNvPicPr>
           <p:nvPr/>
         </p:nvPicPr>
@@ -7324,29 +7265,18 @@
               </a:ext>
             </a:extLst>
           </a:blip>
-          <a:srcRect/>
           <a:stretch>
             <a:fillRect/>
           </a:stretch>
         </p:blipFill>
-        <p:spPr bwMode="auto">
+        <p:spPr>
           <a:xfrm>
-            <a:off x="3214092" y="1844824"/>
-            <a:ext cx="5112568" cy="4575782"/>
+            <a:off x="1341884" y="2420888"/>
+            <a:ext cx="10009112" cy="2639177"/>
           </a:xfrm>
           <a:prstGeom prst="rect">
             <a:avLst/>
           </a:prstGeom>
-          <a:noFill/>
-          <a:extLst>
-            <a:ext uri="{909E8E84-426E-40DD-AFC4-6F175D3DCCD1}">
-              <a14:hiddenFill xmlns:a14="http://schemas.microsoft.com/office/drawing/2010/main">
-                <a:solidFill>
-                  <a:srgbClr val="FFFFFF"/>
-                </a:solidFill>
-              </a14:hiddenFill>
-            </a:ext>
-          </a:extLst>
         </p:spPr>
       </p:pic>
     </p:spTree>
@@ -7371,13 +7301,6 @@
       </p:transition>
     </mc:Fallback>
   </mc:AlternateContent>
-  <p:timing>
-    <p:tnLst>
-      <p:par>
-        <p:cTn id="1" dur="indefinite" restart="never" nodeType="tmRoot"/>
-      </p:par>
-    </p:tnLst>
-  </p:timing>
 </p:sld>
 </file>
 
@@ -7456,27 +7379,8 @@
                 <a:ea typeface="+mn-ea"/>
                 <a:cs typeface="+mn-cs"/>
               </a:rPr>
-              <a:t>Diagrama</a:t>
-            </a:r>
-            <a:r>
-              <a:rPr lang="es-ES" b="1" cap="all" spc="200" dirty="0">
-                <a:solidFill>
-                  <a:schemeClr val="accent1"/>
-                </a:solidFill>
-                <a:latin typeface="+mn-lt"/>
-                <a:ea typeface="+mn-ea"/>
-                <a:cs typeface="+mn-cs"/>
-              </a:rPr>
-              <a:t> de Casos de Uso</a:t>
-            </a:r>
-            <a:endParaRPr lang="es-ES" b="1" cap="all" spc="200" dirty="0">
-              <a:solidFill>
-                <a:schemeClr val="accent1"/>
-              </a:solidFill>
-              <a:latin typeface="+mn-lt"/>
-              <a:ea typeface="+mn-ea"/>
-              <a:cs typeface="+mn-cs"/>
-            </a:endParaRPr>
+              <a:t>Diagrama de Casos de Uso</a:t>
+            </a:r>
           </a:p>
         </p:txBody>
       </p:sp>
@@ -7532,13 +7436,6 @@
       </p:transition>
     </mc:Fallback>
   </mc:AlternateContent>
-  <p:timing>
-    <p:tnLst>
-      <p:par>
-        <p:cTn id="1" dur="indefinite" restart="never" nodeType="tmRoot"/>
-      </p:par>
-    </p:tnLst>
-  </p:timing>
 </p:sld>
 </file>
 
@@ -7619,29 +7516,8 @@
                 <a:ea typeface="+mn-ea"/>
                 <a:cs typeface="+mn-cs"/>
               </a:rPr>
-              <a:t>Desarrollo </a:t>
-            </a:r>
-            <a:r>
-              <a:rPr lang="es-ES" sz="4800" b="1" cap="all" spc="200" dirty="0">
-                <a:latin typeface="+mn-lt"/>
-                <a:ea typeface="+mn-ea"/>
-                <a:cs typeface="+mn-cs"/>
-              </a:rPr>
-              <a:t>del</a:t>
-            </a:r>
-            <a:r>
-              <a:rPr lang="es-ES" sz="4800" b="1" cap="all" spc="200" dirty="0">
-                <a:latin typeface="+mn-lt"/>
-                <a:ea typeface="+mn-ea"/>
-                <a:cs typeface="+mn-cs"/>
-              </a:rPr>
-              <a:t> proyecto</a:t>
-            </a:r>
-            <a:endParaRPr lang="es-ES" sz="4800" b="1" cap="all" spc="200" dirty="0">
-              <a:latin typeface="+mn-lt"/>
-              <a:ea typeface="+mn-ea"/>
-              <a:cs typeface="+mn-cs"/>
-            </a:endParaRPr>
+              <a:t>Desarrollo del proyecto</a:t>
+            </a:r>
           </a:p>
         </p:txBody>
       </p:sp>
@@ -7667,13 +7543,6 @@
       </p:transition>
     </mc:Fallback>
   </mc:AlternateContent>
-  <p:timing>
-    <p:tnLst>
-      <p:par>
-        <p:cTn id="1" dur="indefinite" restart="never" nodeType="tmRoot"/>
-      </p:par>
-    </p:tnLst>
-  </p:timing>
 </p:sld>
 </file>
 
@@ -7758,14 +7627,6 @@
               </a:rPr>
               <a:t>Cronograma</a:t>
             </a:r>
-            <a:endParaRPr lang="es-ES" b="1" cap="all" spc="200" dirty="0">
-              <a:solidFill>
-                <a:schemeClr val="accent1"/>
-              </a:solidFill>
-              <a:latin typeface="+mn-lt"/>
-              <a:ea typeface="+mn-ea"/>
-              <a:cs typeface="+mn-cs"/>
-            </a:endParaRPr>
           </a:p>
         </p:txBody>
       </p:sp>
@@ -7816,13 +7677,6 @@
       </p:transition>
     </mc:Fallback>
   </mc:AlternateContent>
-  <p:timing>
-    <p:tnLst>
-      <p:par>
-        <p:cTn id="1" dur="indefinite" restart="never" nodeType="tmRoot"/>
-      </p:par>
-    </p:tnLst>
-  </p:timing>
 </p:sld>
 </file>
 
@@ -7902,27 +7756,8 @@
                 <a:ea typeface="+mn-ea"/>
                 <a:cs typeface="+mn-cs"/>
               </a:rPr>
-              <a:t>Modificaciones</a:t>
-            </a:r>
-            <a:r>
-              <a:rPr lang="es-ES" b="1" cap="all" spc="200" dirty="0">
-                <a:solidFill>
-                  <a:schemeClr val="accent1"/>
-                </a:solidFill>
-                <a:latin typeface="+mn-lt"/>
-                <a:ea typeface="+mn-ea"/>
-                <a:cs typeface="+mn-cs"/>
-              </a:rPr>
-              <a:t> del proyecto</a:t>
-            </a:r>
-            <a:endParaRPr lang="es-ES" b="1" cap="all" spc="200" dirty="0">
-              <a:solidFill>
-                <a:schemeClr val="accent1"/>
-              </a:solidFill>
-              <a:latin typeface="+mn-lt"/>
-              <a:ea typeface="+mn-ea"/>
-              <a:cs typeface="+mn-cs"/>
-            </a:endParaRPr>
+              <a:t>Modificaciones del proyecto</a:t>
+            </a:r>
           </a:p>
         </p:txBody>
       </p:sp>
@@ -7967,13 +7802,6 @@
       </p:transition>
     </mc:Fallback>
   </mc:AlternateContent>
-  <p:timing>
-    <p:tnLst>
-      <p:par>
-        <p:cTn id="1" dur="indefinite" restart="never" nodeType="tmRoot"/>
-      </p:par>
-    </p:tnLst>
-  </p:timing>
 </p:sld>
 </file>
 
@@ -8039,90 +7867,54 @@
               <a:rPr lang="es-ES" dirty="0">
                 <a:hlinkClick r:id="rId2"/>
               </a:rPr>
-              <a:t>http://</a:t>
-            </a:r>
-            <a:r>
-              <a:rPr lang="es-ES" dirty="0" smtClean="0">
-                <a:hlinkClick r:id="rId2"/>
-              </a:rPr>
-              <a:t>php.net/manual/es/language.oop5.php</a:t>
-            </a:r>
-            <a:endParaRPr lang="es-ES" dirty="0" smtClean="0"/>
+              <a:t>http://php.net/manual/es/language.oop5.php</a:t>
+            </a:r>
+            <a:endParaRPr lang="es-ES" dirty="0"/>
           </a:p>
           <a:p>
             <a:r>
               <a:rPr lang="es-ES" dirty="0">
                 <a:hlinkClick r:id="rId3"/>
               </a:rPr>
-              <a:t>https://</a:t>
-            </a:r>
-            <a:r>
-              <a:rPr lang="es-ES" dirty="0" smtClean="0">
-                <a:hlinkClick r:id="rId3"/>
-              </a:rPr>
-              <a:t>github.com/PHPOffice/PhpSpreadsheet</a:t>
-            </a:r>
-            <a:endParaRPr lang="es-ES" dirty="0" smtClean="0"/>
+              <a:t>https://github.com/PHPOffice/PhpSpreadsheet</a:t>
+            </a:r>
+            <a:endParaRPr lang="es-ES" dirty="0"/>
           </a:p>
           <a:p>
             <a:r>
               <a:rPr lang="es-ES" dirty="0">
                 <a:hlinkClick r:id="rId4"/>
               </a:rPr>
-              <a:t>http://</a:t>
-            </a:r>
-            <a:r>
-              <a:rPr lang="es-ES" dirty="0" smtClean="0">
-                <a:hlinkClick r:id="rId4"/>
-              </a:rPr>
-              <a:t>php.net/manual/es/book.pdo.php</a:t>
-            </a:r>
-            <a:endParaRPr lang="es-ES" dirty="0" smtClean="0"/>
+              <a:t>http://php.net/manual/es/book.pdo.php</a:t>
+            </a:r>
+            <a:endParaRPr lang="es-ES" dirty="0"/>
           </a:p>
           <a:p>
             <a:r>
               <a:rPr lang="es-ES" dirty="0">
                 <a:hlinkClick r:id="rId5"/>
               </a:rPr>
-              <a:t>http://www.fpdf.org</a:t>
-            </a:r>
-            <a:r>
-              <a:rPr lang="es-ES" dirty="0" smtClean="0">
-                <a:hlinkClick r:id="rId5"/>
-              </a:rPr>
-              <a:t>/</a:t>
-            </a:r>
-            <a:endParaRPr lang="es-ES" dirty="0" smtClean="0"/>
-          </a:p>
-          <a:p>
-            <a:r>
-              <a:rPr lang="es-ES" dirty="0" smtClean="0">
-                <a:hlinkClick r:id="rId6"/>
-              </a:rPr>
-              <a:t>https</a:t>
-            </a:r>
+              <a:t>http://www.fpdf.org/</a:t>
+            </a:r>
+            <a:endParaRPr lang="es-ES" dirty="0"/>
+          </a:p>
+          <a:p>
             <a:r>
               <a:rPr lang="es-ES" dirty="0">
                 <a:hlinkClick r:id="rId6"/>
               </a:rPr>
-              <a:t>://</a:t>
-            </a:r>
-            <a:r>
-              <a:rPr lang="es-ES" dirty="0" smtClean="0">
-                <a:hlinkClick r:id="rId6"/>
-              </a:rPr>
-              <a:t>getcomposer.org/doc/00-intro.md</a:t>
-            </a:r>
-            <a:endParaRPr lang="es-ES" dirty="0" smtClean="0"/>
-          </a:p>
-          <a:p>
-            <a:endParaRPr lang="es-ES" dirty="0" smtClean="0"/>
-          </a:p>
-          <a:p>
-            <a:endParaRPr lang="es-ES" dirty="0" smtClean="0"/>
-          </a:p>
-          <a:p>
-            <a:endParaRPr lang="es-ES" dirty="0" smtClean="0"/>
+              <a:t>https://getcomposer.org/doc/00-intro.md</a:t>
+            </a:r>
+            <a:endParaRPr lang="es-ES" dirty="0"/>
+          </a:p>
+          <a:p>
+            <a:endParaRPr lang="es-ES" dirty="0"/>
+          </a:p>
+          <a:p>
+            <a:endParaRPr lang="es-ES" dirty="0"/>
+          </a:p>
+          <a:p>
+            <a:endParaRPr lang="es-ES" dirty="0"/>
           </a:p>
           <a:p>
             <a:endParaRPr lang="es-ES" dirty="0"/>
@@ -8151,13 +7943,6 @@
       </p:transition>
     </mc:Fallback>
   </mc:AlternateContent>
-  <p:timing>
-    <p:tnLst>
-      <p:par>
-        <p:cTn id="1" dur="indefinite" restart="never" nodeType="tmRoot"/>
-      </p:par>
-    </p:tnLst>
-  </p:timing>
 </p:sld>
 </file>
 
@@ -8257,52 +8042,51 @@
           <a:p>
             <a:pPr rtl="0"/>
             <a:r>
-              <a:rPr lang="es-ES" dirty="0" smtClean="0"/>
+              <a:rPr lang="es-ES" dirty="0"/>
               <a:t>Introducción</a:t>
             </a:r>
           </a:p>
           <a:p>
             <a:pPr rtl="0"/>
             <a:r>
-              <a:rPr lang="es-ES" dirty="0" smtClean="0"/>
+              <a:rPr lang="es-ES" dirty="0"/>
               <a:t>Ciclo de vida</a:t>
             </a:r>
           </a:p>
           <a:p>
             <a:pPr rtl="0"/>
             <a:r>
-              <a:rPr lang="es-ES" dirty="0" smtClean="0"/>
+              <a:rPr lang="es-ES" dirty="0"/>
               <a:t>Ámbito</a:t>
             </a:r>
           </a:p>
           <a:p>
             <a:pPr rtl="0"/>
             <a:r>
-              <a:rPr lang="es-ES" dirty="0" smtClean="0"/>
+              <a:rPr lang="es-ES" dirty="0"/>
               <a:t>Especificación de requisitos</a:t>
             </a:r>
           </a:p>
           <a:p>
             <a:pPr rtl="0"/>
             <a:r>
-              <a:rPr lang="es-ES" dirty="0" smtClean="0"/>
+              <a:rPr lang="es-ES" dirty="0"/>
               <a:t>Diagrama de Flujo de Datos (DFD)</a:t>
             </a:r>
           </a:p>
           <a:p>
             <a:pPr rtl="0"/>
             <a:r>
-              <a:rPr lang="es-ES" dirty="0" smtClean="0"/>
+              <a:rPr lang="es-ES" dirty="0"/>
               <a:t>Diagrama Entidad-Relación (E/R)</a:t>
             </a:r>
           </a:p>
           <a:p>
             <a:pPr rtl="0"/>
             <a:r>
-              <a:rPr lang="es-ES" dirty="0" smtClean="0"/>
+              <a:rPr lang="es-ES" dirty="0"/>
               <a:t>Casos de Uso</a:t>
             </a:r>
-            <a:endParaRPr lang="es-ES" dirty="0"/>
           </a:p>
         </p:txBody>
       </p:sp>
@@ -8328,13 +8112,6 @@
       </p:transition>
     </mc:Fallback>
   </mc:AlternateContent>
-  <p:timing>
-    <p:tnLst>
-      <p:par>
-        <p:cTn id="1" dur="indefinite" restart="never" nodeType="tmRoot"/>
-      </p:par>
-    </p:tnLst>
-  </p:timing>
 </p:sld>
 </file>
 
@@ -8418,14 +8195,6 @@
               </a:rPr>
               <a:t>Introducción</a:t>
             </a:r>
-            <a:endParaRPr lang="es-ES" sz="4800" b="1" cap="all" spc="200" dirty="0">
-              <a:solidFill>
-                <a:schemeClr val="accent1"/>
-              </a:solidFill>
-              <a:latin typeface="+mn-lt"/>
-              <a:ea typeface="+mn-ea"/>
-              <a:cs typeface="+mn-cs"/>
-            </a:endParaRPr>
           </a:p>
         </p:txBody>
       </p:sp>
@@ -8453,16 +8222,8 @@
               <a:buNone/>
             </a:pPr>
             <a:r>
-              <a:rPr lang="es-ES" dirty="0" smtClean="0"/>
-              <a:t>El proyecto de integración consiste en una aplicación web, que genera informes de las competiciones a partir de ficheros Excel para </a:t>
-            </a:r>
-            <a:r>
               <a:rPr lang="es-ES" dirty="0"/>
-              <a:t>la RFESS (Real Federación Española de Salvamento y </a:t>
-            </a:r>
-            <a:r>
-              <a:rPr lang="es-ES" dirty="0" smtClean="0"/>
-              <a:t>Socorrismo).</a:t>
+              <a:t>El proyecto de integración consiste en una aplicación web, que genera informes de las competiciones a partir de ficheros Excel para la RFESS (Real Federación Española de Salvamento y Socorrismo).</a:t>
             </a:r>
           </a:p>
         </p:txBody>
@@ -8489,13 +8250,6 @@
       </p:transition>
     </mc:Fallback>
   </mc:AlternateContent>
-  <p:timing>
-    <p:tnLst>
-      <p:par>
-        <p:cTn id="1" dur="indefinite" restart="never" nodeType="tmRoot"/>
-      </p:par>
-    </p:tnLst>
-  </p:timing>
 </p:sld>
 </file>
 
@@ -8595,14 +8349,6 @@
               </a:rPr>
               <a:t>y ciclo de vida</a:t>
             </a:r>
-            <a:endParaRPr lang="es-ES" sz="4800" b="1" cap="all" spc="200" dirty="0">
-              <a:solidFill>
-                <a:schemeClr val="accent1"/>
-              </a:solidFill>
-              <a:latin typeface="+mn-lt"/>
-              <a:ea typeface="+mn-ea"/>
-              <a:cs typeface="+mn-cs"/>
-            </a:endParaRPr>
           </a:p>
         </p:txBody>
       </p:sp>
@@ -8627,22 +8373,21 @@
           <a:lstStyle/>
           <a:p>
             <a:r>
-              <a:rPr lang="es-ES" dirty="0" smtClean="0"/>
+              <a:rPr lang="es-ES" dirty="0"/>
               <a:t>Centralización de datos de jornadas deportivas</a:t>
             </a:r>
           </a:p>
           <a:p>
             <a:r>
-              <a:rPr lang="es-ES" dirty="0" smtClean="0"/>
+              <a:rPr lang="es-ES" dirty="0"/>
               <a:t>Generación de informes</a:t>
             </a:r>
           </a:p>
           <a:p>
             <a:r>
-              <a:rPr lang="es-ES" dirty="0" smtClean="0"/>
+              <a:rPr lang="es-ES" dirty="0"/>
               <a:t>Ciclo de vida en espiral</a:t>
             </a:r>
-            <a:endParaRPr lang="es-ES" dirty="0"/>
           </a:p>
         </p:txBody>
       </p:sp>
@@ -8668,13 +8413,6 @@
       </p:transition>
     </mc:Fallback>
   </mc:AlternateContent>
-  <p:timing>
-    <p:tnLst>
-      <p:par>
-        <p:cTn id="1" dur="indefinite" restart="never" nodeType="tmRoot"/>
-      </p:par>
-    </p:tnLst>
-  </p:timing>
 </p:sld>
 </file>
 
@@ -8794,13 +8532,6 @@
       </p:transition>
     </mc:Fallback>
   </mc:AlternateContent>
-  <p:timing>
-    <p:tnLst>
-      <p:par>
-        <p:cTn id="1" dur="indefinite" restart="never" nodeType="tmRoot"/>
-      </p:par>
-    </p:tnLst>
-  </p:timing>
 </p:sld>
 </file>
 
@@ -8904,62 +8635,33 @@
           <a:lstStyle/>
           <a:p>
             <a:r>
-              <a:rPr lang="es-ES" dirty="0" smtClean="0"/>
-              <a:t>Aplicación </a:t>
-            </a:r>
-            <a:r>
               <a:rPr lang="es-ES" dirty="0"/>
-              <a:t>web </a:t>
-            </a:r>
-            <a:r>
-              <a:rPr lang="es-ES" dirty="0" smtClean="0"/>
-              <a:t>.</a:t>
-            </a:r>
-          </a:p>
-          <a:p>
-            <a:r>
-              <a:rPr lang="es-ES" dirty="0" smtClean="0"/>
-              <a:t>Cargará los datos de un </a:t>
-            </a:r>
+              <a:t>Aplicación web .</a:t>
+            </a:r>
+          </a:p>
+          <a:p>
             <a:r>
               <a:rPr lang="es-ES" dirty="0"/>
-              <a:t>fichero “</a:t>
-            </a:r>
-            <a:r>
-              <a:rPr lang="es-ES" dirty="0" smtClean="0"/>
-              <a:t>Excel”.</a:t>
-            </a:r>
-          </a:p>
-          <a:p>
-            <a:r>
-              <a:rPr lang="es-ES" dirty="0" smtClean="0"/>
+              <a:t>Cargará los datos de un fichero “Excel”.</a:t>
+            </a:r>
+          </a:p>
+          <a:p>
+            <a:r>
+              <a:rPr lang="es-ES" dirty="0"/>
               <a:t>Número de participantes a puntuar de un equipo.</a:t>
             </a:r>
           </a:p>
           <a:p>
             <a:r>
               <a:rPr lang="es-ES" dirty="0"/>
-              <a:t>B</a:t>
-            </a:r>
-            <a:r>
-              <a:rPr lang="es-ES" dirty="0" smtClean="0"/>
-              <a:t>loqueo </a:t>
-            </a:r>
+              <a:t>Bloqueo de puntos o no.</a:t>
+            </a:r>
+          </a:p>
+          <a:p>
             <a:r>
               <a:rPr lang="es-ES" dirty="0"/>
-              <a:t>de puntos o no</a:t>
-            </a:r>
-            <a:r>
-              <a:rPr lang="es-ES" dirty="0" smtClean="0"/>
-              <a:t>.</a:t>
-            </a:r>
-          </a:p>
-          <a:p>
-            <a:r>
-              <a:rPr lang="es-ES" dirty="0" smtClean="0"/>
               <a:t>Puntuación de cada puesto.</a:t>
             </a:r>
-            <a:endParaRPr lang="es-ES" dirty="0"/>
           </a:p>
         </p:txBody>
       </p:sp>
@@ -8985,13 +8687,6 @@
       </p:transition>
     </mc:Fallback>
   </mc:AlternateContent>
-  <p:timing>
-    <p:tnLst>
-      <p:par>
-        <p:cTn id="1" dur="indefinite" restart="never" nodeType="tmRoot"/>
-      </p:par>
-    </p:tnLst>
-  </p:timing>
 </p:sld>
 </file>
 
@@ -9095,40 +8790,20 @@
           <a:lstStyle/>
           <a:p>
             <a:r>
-              <a:rPr lang="es-ES" dirty="0" smtClean="0"/>
+              <a:rPr lang="es-ES" dirty="0"/>
               <a:t>Indica comienzo y fin de una temporada.</a:t>
             </a:r>
           </a:p>
           <a:p>
             <a:r>
-              <a:rPr lang="es-ES" dirty="0" smtClean="0"/>
+              <a:rPr lang="es-ES" dirty="0"/>
               <a:t>Generar informes por categoría, clasificados por genero, prueba y temporada de la competición.</a:t>
             </a:r>
           </a:p>
           <a:p>
             <a:r>
-              <a:rPr lang="es-ES" dirty="0" smtClean="0"/>
-              <a:t> Generar </a:t>
-            </a:r>
-            <a:r>
               <a:rPr lang="es-ES" dirty="0"/>
-              <a:t>informes </a:t>
-            </a:r>
-            <a:r>
-              <a:rPr lang="es-ES" dirty="0" smtClean="0"/>
-              <a:t>por </a:t>
-            </a:r>
-            <a:r>
-              <a:rPr lang="es-ES" dirty="0"/>
-              <a:t>clubes dependiendo de su categoría </a:t>
-            </a:r>
-            <a:r>
-              <a:rPr lang="es-ES" dirty="0" smtClean="0"/>
-              <a:t>y clasificados por </a:t>
-            </a:r>
-            <a:r>
-              <a:rPr lang="es-ES" dirty="0"/>
-              <a:t>puntos totales y temporada de la competición.</a:t>
+              <a:t> Generar informes por clubes dependiendo de su categoría y clasificados por puntos totales y temporada de la competición.</a:t>
             </a:r>
           </a:p>
           <a:p>
@@ -9158,13 +8833,6 @@
       </p:transition>
     </mc:Fallback>
   </mc:AlternateContent>
-  <p:timing>
-    <p:tnLst>
-      <p:par>
-        <p:cTn id="1" dur="indefinite" restart="never" nodeType="tmRoot"/>
-      </p:par>
-    </p:tnLst>
-  </p:timing>
 </p:sld>
 </file>
 
@@ -9242,13 +8910,8 @@
             <a:pPr algn="ctr"/>
             <a:r>
               <a:rPr lang="es-ES" sz="3600" b="1" dirty="0"/>
-              <a:t>Requisitos </a:t>
-            </a:r>
-            <a:r>
-              <a:rPr lang="es-ES" sz="3600" b="1" dirty="0" smtClean="0"/>
-              <a:t>Técnicos</a:t>
-            </a:r>
-            <a:endParaRPr lang="es-ES" sz="3600" b="1" dirty="0"/>
+              <a:t>Requisitos Técnicos</a:t>
+            </a:r>
           </a:p>
         </p:txBody>
       </p:sp>
@@ -9304,10 +8967,9 @@
           <a:p>
             <a:pPr lvl="1"/>
             <a:r>
-              <a:rPr lang="es-ES" sz="2800" dirty="0" smtClean="0"/>
+              <a:rPr lang="es-ES" sz="2800" dirty="0"/>
               <a:t>PHP.</a:t>
             </a:r>
-            <a:endParaRPr lang="es-ES" sz="2800" dirty="0"/>
           </a:p>
           <a:p>
             <a:pPr lvl="1"/>
@@ -9320,17 +8982,16 @@
               <a:t>MySQL</a:t>
             </a:r>
             <a:r>
-              <a:rPr lang="es-ES" sz="2800" dirty="0" smtClean="0"/>
+              <a:rPr lang="es-ES" sz="2800" dirty="0"/>
               <a:t>.</a:t>
             </a:r>
           </a:p>
           <a:p>
             <a:pPr lvl="1"/>
             <a:r>
-              <a:rPr lang="es-ES" sz="2800" dirty="0" smtClean="0"/>
+              <a:rPr lang="es-ES" sz="2800" dirty="0"/>
               <a:t>PDO.</a:t>
             </a:r>
-            <a:endParaRPr lang="es-ES" sz="2800" dirty="0"/>
           </a:p>
           <a:p>
             <a:pPr lvl="1"/>
@@ -9366,13 +9027,6 @@
       </p:transition>
     </mc:Fallback>
   </mc:AlternateContent>
-  <p:timing>
-    <p:tnLst>
-      <p:par>
-        <p:cTn id="1" dur="indefinite" restart="never" nodeType="tmRoot"/>
-      </p:par>
-    </p:tnLst>
-  </p:timing>
 </p:sld>
 </file>
 
@@ -9480,13 +9134,6 @@
       </p:transition>
     </mc:Fallback>
   </mc:AlternateContent>
-  <p:timing>
-    <p:tnLst>
-      <p:par>
-        <p:cTn id="1" dur="indefinite" restart="never" nodeType="tmRoot"/>
-      </p:par>
-    </p:tnLst>
-  </p:timing>
 </p:sld>
 </file>
 
@@ -10441,6 +10088,15 @@
 </file>
 
 <file path=customXml/item1.xml><?xml version="1.0" encoding="utf-8"?>
+<?mso-contentType ?>
+<FormTemplates xmlns="http://schemas.microsoft.com/sharepoint/v3/contenttype/forms">
+  <Display>DocumentLibraryForm</Display>
+  <Edit>AssetEditForm</Edit>
+  <New>DocumentLibraryForm</New>
+</FormTemplates>
+</file>
+
+<file path=customXml/item2.xml><?xml version="1.0" encoding="utf-8"?>
 <p:properties xmlns:p="http://schemas.microsoft.com/office/2006/metadata/properties" xmlns:xsi="http://www.w3.org/2001/XMLSchema-instance" xmlns:pc="http://schemas.microsoft.com/office/infopath/2007/PartnerControls">
   <documentManagement>
     <LocPublishedLinkedAssetsLookup xmlns="4873beb7-5857-4685-be1f-d57550cc96cc" xsi:nil="true"/>
@@ -10574,15 +10230,6 @@
     <LocMarketGroupTiers2 xmlns="4873beb7-5857-4685-be1f-d57550cc96cc" xsi:nil="true"/>
   </documentManagement>
 </p:properties>
-</file>
-
-<file path=customXml/item2.xml><?xml version="1.0" encoding="utf-8"?>
-<?mso-contentType ?>
-<FormTemplates xmlns="http://schemas.microsoft.com/sharepoint/v3/contenttype/forms">
-  <Display>DocumentLibraryForm</Display>
-  <Edit>AssetEditForm</Edit>
-  <New>DocumentLibraryForm</New>
-</FormTemplates>
 </file>
 
 <file path=customXml/item3.xml><?xml version="1.0" encoding="utf-8"?>
@@ -11626,6 +11273,14 @@
 </file>
 
 <file path=customXml/itemProps1.xml><?xml version="1.0" encoding="utf-8"?>
+<ds:datastoreItem xmlns:ds="http://schemas.openxmlformats.org/officeDocument/2006/customXml" ds:itemID="{3836F65B-1B07-41EE-A0E8-BC6EF3855225}">
+  <ds:schemaRefs>
+    <ds:schemaRef ds:uri="http://schemas.microsoft.com/sharepoint/v3/contenttype/forms"/>
+  </ds:schemaRefs>
+</ds:datastoreItem>
+</file>
+
+<file path=customXml/itemProps2.xml><?xml version="1.0" encoding="utf-8"?>
 <ds:datastoreItem xmlns:ds="http://schemas.openxmlformats.org/officeDocument/2006/customXml" ds:itemID="{60C67BEE-D13F-4BD2-98A5-34D8A0977F68}">
   <ds:schemaRefs>
     <ds:schemaRef ds:uri="4873beb7-5857-4685-be1f-d57550cc96cc"/>
@@ -11637,14 +11292,6 @@
     <ds:schemaRef ds:uri="http://schemas.microsoft.com/office/infopath/2007/PartnerControls"/>
     <ds:schemaRef ds:uri="http://www.w3.org/XML/1998/namespace"/>
     <ds:schemaRef ds:uri="http://purl.org/dc/dcmitype/"/>
-  </ds:schemaRefs>
-</ds:datastoreItem>
-</file>
-
-<file path=customXml/itemProps2.xml><?xml version="1.0" encoding="utf-8"?>
-<ds:datastoreItem xmlns:ds="http://schemas.openxmlformats.org/officeDocument/2006/customXml" ds:itemID="{3836F65B-1B07-41EE-A0E8-BC6EF3855225}">
-  <ds:schemaRefs>
-    <ds:schemaRef ds:uri="http://schemas.microsoft.com/sharepoint/v3/contenttype/forms"/>
   </ds:schemaRefs>
 </ds:datastoreItem>
 </file>

--- a/doc/Presentación/Generador de informes RFESS.pptx
+++ b/doc/Presentación/Generador de informes RFESS.pptx
@@ -1188,7 +1188,7 @@
             <a:pPr algn="r" rtl="0"/>
             <a:fld id="{C8F1D84B-F747-4821-8617-FBD61E8F4308}" type="datetime1">
               <a:rPr lang="es-ES" smtClean="0"/>
-              <a:t>07/05/2018</a:t>
+              <a:t>10/05/2018</a:t>
             </a:fld>
             <a:endParaRPr lang="es-ES" dirty="0"/>
           </a:p>
@@ -1358,7 +1358,7 @@
             <a:fld id="{DA87C823-BB9F-45DA-99AB-416A32E1B948}" type="datetime1">
               <a:rPr lang="es-ES" noProof="0" smtClean="0"/>
               <a:pPr/>
-              <a:t>07/05/2018</a:t>
+              <a:t>10/05/2018</a:t>
             </a:fld>
             <a:endParaRPr lang="es-ES" noProof="0" dirty="0"/>
           </a:p>
@@ -2924,7 +2924,7 @@
             <a:fld id="{A042E67D-14C0-4ED9-A218-9C14494A6A84}" type="datetime1">
               <a:rPr lang="es-ES" noProof="0" smtClean="0"/>
               <a:pPr/>
-              <a:t>07/05/2018</a:t>
+              <a:t>10/05/2018</a:t>
             </a:fld>
             <a:endParaRPr lang="es-ES" noProof="0" dirty="0"/>
           </a:p>
@@ -3134,7 +3134,7 @@
             <a:fld id="{40A1DB83-C382-4684-8887-65A03EA4FFF0}" type="datetime1">
               <a:rPr lang="es-ES" noProof="0" smtClean="0"/>
               <a:pPr/>
-              <a:t>07/05/2018</a:t>
+              <a:t>10/05/2018</a:t>
             </a:fld>
             <a:endParaRPr lang="es-ES" noProof="0" dirty="0"/>
           </a:p>
@@ -3350,7 +3350,7 @@
             <a:fld id="{C60E81D3-9B82-44CA-B1F9-FCEFDC87935B}" type="datetime1">
               <a:rPr lang="es-ES" noProof="0" smtClean="0"/>
               <a:pPr/>
-              <a:t>07/05/2018</a:t>
+              <a:t>10/05/2018</a:t>
             </a:fld>
             <a:endParaRPr lang="es-ES" noProof="0" dirty="0"/>
           </a:p>
@@ -3556,7 +3556,7 @@
             <a:fld id="{82E48AAE-5AE8-418A-A225-B506C222F2F9}" type="datetime1">
               <a:rPr lang="es-ES" noProof="0" smtClean="0"/>
               <a:pPr/>
-              <a:t>07/05/2018</a:t>
+              <a:t>10/05/2018</a:t>
             </a:fld>
             <a:endParaRPr lang="es-ES" noProof="0" dirty="0"/>
           </a:p>
@@ -3996,7 +3996,7 @@
             <a:fld id="{AA1D35CA-82F5-4AD4-B9EC-66E805B73542}" type="datetime1">
               <a:rPr lang="es-ES" noProof="0" smtClean="0"/>
               <a:pPr/>
-              <a:t>07/05/2018</a:t>
+              <a:t>10/05/2018</a:t>
             </a:fld>
             <a:endParaRPr lang="es-ES" noProof="0" dirty="0"/>
           </a:p>
@@ -4308,7 +4308,7 @@
             <a:fld id="{834CCE92-710B-4678-B1B1-EFCAA5CDF075}" type="datetime1">
               <a:rPr lang="es-ES" noProof="0" smtClean="0"/>
               <a:pPr/>
-              <a:t>07/05/2018</a:t>
+              <a:t>10/05/2018</a:t>
             </a:fld>
             <a:endParaRPr lang="es-ES" noProof="0" dirty="0"/>
           </a:p>
@@ -4772,7 +4772,7 @@
             <a:fld id="{83FB0F2C-25D9-4D7E-B43A-29A2E16C960D}" type="datetime1">
               <a:rPr lang="es-ES" noProof="0" smtClean="0"/>
               <a:pPr/>
-              <a:t>07/05/2018</a:t>
+              <a:t>10/05/2018</a:t>
             </a:fld>
             <a:endParaRPr lang="es-ES" noProof="0" dirty="0"/>
           </a:p>
@@ -4910,7 +4910,7 @@
             <a:fld id="{FD34687D-B11B-47A5-95F6-B79DA932A6DF}" type="datetime1">
               <a:rPr lang="es-ES" noProof="0" smtClean="0"/>
               <a:pPr/>
-              <a:t>07/05/2018</a:t>
+              <a:t>10/05/2018</a:t>
             </a:fld>
             <a:endParaRPr lang="es-ES" noProof="0" dirty="0"/>
           </a:p>
@@ -5024,7 +5024,7 @@
             <a:fld id="{93C656DE-1E46-4450-9484-A739B4FADFBC}" type="datetime1">
               <a:rPr lang="es-ES" noProof="0" smtClean="0"/>
               <a:pPr/>
-              <a:t>07/05/2018</a:t>
+              <a:t>10/05/2018</a:t>
             </a:fld>
             <a:endParaRPr lang="es-ES" noProof="0" dirty="0"/>
           </a:p>
@@ -5331,7 +5331,7 @@
             <a:fld id="{EEA77F8B-D469-4ECD-B91E-3B01AD692331}" type="datetime1">
               <a:rPr lang="es-ES" noProof="0" smtClean="0"/>
               <a:pPr/>
-              <a:t>07/05/2018</a:t>
+              <a:t>10/05/2018</a:t>
             </a:fld>
             <a:endParaRPr lang="es-ES" noProof="0" dirty="0"/>
           </a:p>
@@ -5628,7 +5628,7 @@
             <a:fld id="{49BA7B1C-709E-4257-93A5-EC2F0807D42F}" type="datetime1">
               <a:rPr lang="es-ES" noProof="0" smtClean="0"/>
               <a:pPr/>
-              <a:t>07/05/2018</a:t>
+              <a:t>10/05/2018</a:t>
             </a:fld>
             <a:endParaRPr lang="es-ES" noProof="0" dirty="0"/>
           </a:p>
@@ -6252,7 +6252,7 @@
             <a:fld id="{35C83AD5-F5AF-4BDC-901E-85A05CCFFAAA}" type="datetime1">
               <a:rPr lang="es-ES" noProof="0" smtClean="0"/>
               <a:pPr/>
-              <a:t>07/05/2018</a:t>
+              <a:t>10/05/2018</a:t>
             </a:fld>
             <a:endParaRPr lang="es-ES" noProof="0" dirty="0"/>
           </a:p>
@@ -7867,7 +7867,7 @@
               <a:rPr lang="es-ES" dirty="0">
                 <a:hlinkClick r:id="rId2"/>
               </a:rPr>
-              <a:t>http://php.net/manual/es/language.oop5.php</a:t>
+              <a:t>https://github.com/Cristoto/FederacionInformes</a:t>
             </a:r>
             <a:endParaRPr lang="es-ES" dirty="0"/>
           </a:p>
@@ -7885,7 +7885,7 @@
               <a:rPr lang="es-ES" dirty="0">
                 <a:hlinkClick r:id="rId4"/>
               </a:rPr>
-              <a:t>http://php.net/manual/es/book.pdo.php</a:t>
+              <a:t>http://php.net/manual/es/language.oop5.php</a:t>
             </a:r>
             <a:endParaRPr lang="es-ES" dirty="0"/>
           </a:p>
@@ -7894,7 +7894,7 @@
               <a:rPr lang="es-ES" dirty="0">
                 <a:hlinkClick r:id="rId5"/>
               </a:rPr>
-              <a:t>http://www.fpdf.org/</a:t>
+              <a:t>http://php.net/manual/es/book.pdo.php</a:t>
             </a:r>
             <a:endParaRPr lang="es-ES" dirty="0"/>
           </a:p>
@@ -7902,6 +7902,15 @@
             <a:r>
               <a:rPr lang="es-ES" dirty="0">
                 <a:hlinkClick r:id="rId6"/>
+              </a:rPr>
+              <a:t>http://www.fpdf.org/</a:t>
+            </a:r>
+            <a:endParaRPr lang="es-ES" dirty="0"/>
+          </a:p>
+          <a:p>
+            <a:r>
+              <a:rPr lang="es-ES" dirty="0">
+                <a:hlinkClick r:id="rId7"/>
               </a:rPr>
               <a:t>https://getcomposer.org/doc/00-intro.md</a:t>
             </a:r>
@@ -8027,65 +8036,277 @@
       </p:sp>
       <p:sp>
         <p:nvSpPr>
-          <p:cNvPr id="14" name="Marcador de posición de contenido 13"/>
-          <p:cNvSpPr>
-            <a:spLocks noGrp="1"/>
+          <p:cNvPr id="5" name="Marcador de posición de contenido 13">
+            <a:extLst>
+              <a:ext uri="{FF2B5EF4-FFF2-40B4-BE49-F238E27FC236}">
+                <a16:creationId xmlns:a16="http://schemas.microsoft.com/office/drawing/2014/main" id="{B106FA7A-A1D9-4A45-8324-BCC9E2B69932}"/>
+              </a:ext>
+            </a:extLst>
+          </p:cNvPr>
+          <p:cNvSpPr txBox="1">
+            <a:spLocks/>
           </p:cNvSpPr>
-          <p:nvPr>
-            <p:ph idx="1"/>
-          </p:nvPr>
+          <p:nvPr/>
         </p:nvSpPr>
-        <p:spPr/>
+        <p:spPr>
+          <a:xfrm>
+            <a:off x="2061964" y="1772816"/>
+            <a:ext cx="6336704" cy="4462272"/>
+          </a:xfrm>
+          <a:prstGeom prst="rect">
+            <a:avLst/>
+          </a:prstGeom>
+        </p:spPr>
         <p:txBody>
-          <a:bodyPr rtlCol="0"/>
-          <a:lstStyle/>
-          <a:p>
-            <a:pPr rtl="0"/>
+          <a:bodyPr vert="horz" lIns="121899" tIns="60949" rIns="121899" bIns="60949" rtlCol="0">
+            <a:normAutofit lnSpcReduction="10000"/>
+          </a:bodyPr>
+          <a:lstStyle>
+            <a:lvl1pPr marL="304747" indent="-304747" algn="l" defTabSz="1218987" rtl="0" eaLnBrk="1" latinLnBrk="0" hangingPunct="1">
+              <a:lnSpc>
+                <a:spcPct val="90000"/>
+              </a:lnSpc>
+              <a:spcBef>
+                <a:spcPts val="1600"/>
+              </a:spcBef>
+              <a:buClr>
+                <a:schemeClr val="accent1"/>
+              </a:buClr>
+              <a:buSzPct val="100000"/>
+              <a:buFont typeface="Arial" pitchFamily="34" charset="0"/>
+              <a:buChar char="•"/>
+              <a:defRPr sz="2800" kern="1200">
+                <a:solidFill>
+                  <a:schemeClr val="tx1"/>
+                </a:solidFill>
+                <a:latin typeface="+mn-lt"/>
+                <a:ea typeface="+mn-ea"/>
+                <a:cs typeface="+mn-cs"/>
+              </a:defRPr>
+            </a:lvl1pPr>
+            <a:lvl2pPr marL="609493" indent="-231607" algn="l" defTabSz="1218987" rtl="0" eaLnBrk="1" latinLnBrk="0" hangingPunct="1">
+              <a:lnSpc>
+                <a:spcPct val="90000"/>
+              </a:lnSpc>
+              <a:spcBef>
+                <a:spcPts val="800"/>
+              </a:spcBef>
+              <a:buClr>
+                <a:schemeClr val="accent1"/>
+              </a:buClr>
+              <a:buSzPct val="80000"/>
+              <a:buFont typeface="Arial" pitchFamily="34" charset="0"/>
+              <a:buChar char="•"/>
+              <a:defRPr sz="2400" kern="1200">
+                <a:solidFill>
+                  <a:schemeClr val="tx1"/>
+                </a:solidFill>
+                <a:latin typeface="+mn-lt"/>
+                <a:ea typeface="+mn-ea"/>
+                <a:cs typeface="+mn-cs"/>
+              </a:defRPr>
+            </a:lvl2pPr>
+            <a:lvl3pPr marL="914240" indent="-231607" algn="l" defTabSz="1218987" rtl="0" eaLnBrk="1" latinLnBrk="0" hangingPunct="1">
+              <a:lnSpc>
+                <a:spcPct val="90000"/>
+              </a:lnSpc>
+              <a:spcBef>
+                <a:spcPts val="800"/>
+              </a:spcBef>
+              <a:buClr>
+                <a:schemeClr val="accent1"/>
+              </a:buClr>
+              <a:buSzPct val="80000"/>
+              <a:buFont typeface="Arial" pitchFamily="34" charset="0"/>
+              <a:buChar char="•"/>
+              <a:defRPr sz="2000" kern="1200">
+                <a:solidFill>
+                  <a:schemeClr val="tx1"/>
+                </a:solidFill>
+                <a:latin typeface="+mn-lt"/>
+                <a:ea typeface="+mn-ea"/>
+                <a:cs typeface="+mn-cs"/>
+              </a:defRPr>
+            </a:lvl3pPr>
+            <a:lvl4pPr marL="1218987" indent="-231607" algn="l" defTabSz="1218987" rtl="0" eaLnBrk="1" latinLnBrk="0" hangingPunct="1">
+              <a:lnSpc>
+                <a:spcPct val="90000"/>
+              </a:lnSpc>
+              <a:spcBef>
+                <a:spcPts val="800"/>
+              </a:spcBef>
+              <a:buClr>
+                <a:schemeClr val="accent1"/>
+              </a:buClr>
+              <a:buSzPct val="80000"/>
+              <a:buFont typeface="Arial" pitchFamily="34" charset="0"/>
+              <a:buChar char="•"/>
+              <a:defRPr sz="2000" kern="1200">
+                <a:solidFill>
+                  <a:schemeClr val="tx1"/>
+                </a:solidFill>
+                <a:latin typeface="+mn-lt"/>
+                <a:ea typeface="+mn-ea"/>
+                <a:cs typeface="+mn-cs"/>
+              </a:defRPr>
+            </a:lvl4pPr>
+            <a:lvl5pPr marL="1523733" indent="-231607" algn="l" defTabSz="1218987" rtl="0" eaLnBrk="1" latinLnBrk="0" hangingPunct="1">
+              <a:lnSpc>
+                <a:spcPct val="90000"/>
+              </a:lnSpc>
+              <a:spcBef>
+                <a:spcPts val="800"/>
+              </a:spcBef>
+              <a:buClr>
+                <a:schemeClr val="accent1"/>
+              </a:buClr>
+              <a:buSzPct val="80000"/>
+              <a:buFont typeface="Arial" pitchFamily="34" charset="0"/>
+              <a:buChar char="•"/>
+              <a:defRPr sz="2000" kern="1200">
+                <a:solidFill>
+                  <a:schemeClr val="tx1"/>
+                </a:solidFill>
+                <a:latin typeface="+mn-lt"/>
+                <a:ea typeface="+mn-ea"/>
+                <a:cs typeface="+mn-cs"/>
+              </a:defRPr>
+            </a:lvl5pPr>
+            <a:lvl6pPr marL="1828480" indent="-231607" algn="l" defTabSz="1218987" rtl="0" eaLnBrk="1" latinLnBrk="0" hangingPunct="1">
+              <a:lnSpc>
+                <a:spcPct val="90000"/>
+              </a:lnSpc>
+              <a:spcBef>
+                <a:spcPts val="800"/>
+              </a:spcBef>
+              <a:buClr>
+                <a:schemeClr val="accent1"/>
+              </a:buClr>
+              <a:buSzPct val="80000"/>
+              <a:buFont typeface="Arial" pitchFamily="34" charset="0"/>
+              <a:buChar char="•"/>
+              <a:defRPr sz="2000" kern="1200">
+                <a:solidFill>
+                  <a:schemeClr val="tx1"/>
+                </a:solidFill>
+                <a:latin typeface="+mn-lt"/>
+                <a:ea typeface="+mn-ea"/>
+                <a:cs typeface="+mn-cs"/>
+              </a:defRPr>
+            </a:lvl6pPr>
+            <a:lvl7pPr marL="2133227" indent="-231607" algn="l" defTabSz="1218987" rtl="0" eaLnBrk="1" latinLnBrk="0" hangingPunct="1">
+              <a:lnSpc>
+                <a:spcPct val="90000"/>
+              </a:lnSpc>
+              <a:spcBef>
+                <a:spcPts val="800"/>
+              </a:spcBef>
+              <a:buClr>
+                <a:schemeClr val="accent1"/>
+              </a:buClr>
+              <a:buSzPct val="80000"/>
+              <a:buFont typeface="Arial" pitchFamily="34" charset="0"/>
+              <a:buChar char="•"/>
+              <a:defRPr sz="2000" kern="1200">
+                <a:solidFill>
+                  <a:schemeClr val="tx1"/>
+                </a:solidFill>
+                <a:latin typeface="+mn-lt"/>
+                <a:ea typeface="+mn-ea"/>
+                <a:cs typeface="+mn-cs"/>
+              </a:defRPr>
+            </a:lvl7pPr>
+            <a:lvl8pPr marL="2437973" indent="-231607" algn="l" defTabSz="1218987" rtl="0" eaLnBrk="1" latinLnBrk="0" hangingPunct="1">
+              <a:lnSpc>
+                <a:spcPct val="90000"/>
+              </a:lnSpc>
+              <a:spcBef>
+                <a:spcPts val="800"/>
+              </a:spcBef>
+              <a:buClr>
+                <a:schemeClr val="accent1"/>
+              </a:buClr>
+              <a:buSzPct val="80000"/>
+              <a:buFont typeface="Arial" pitchFamily="34" charset="0"/>
+              <a:buChar char="•"/>
+              <a:defRPr sz="2000" kern="1200" baseline="0">
+                <a:solidFill>
+                  <a:schemeClr val="tx1"/>
+                </a:solidFill>
+                <a:latin typeface="+mn-lt"/>
+                <a:ea typeface="+mn-ea"/>
+                <a:cs typeface="+mn-cs"/>
+              </a:defRPr>
+            </a:lvl8pPr>
+            <a:lvl9pPr marL="2742720" indent="-231607" algn="l" defTabSz="1218987" rtl="0" eaLnBrk="1" latinLnBrk="0" hangingPunct="1">
+              <a:lnSpc>
+                <a:spcPct val="90000"/>
+              </a:lnSpc>
+              <a:spcBef>
+                <a:spcPts val="800"/>
+              </a:spcBef>
+              <a:buClr>
+                <a:schemeClr val="accent1"/>
+              </a:buClr>
+              <a:buSzPct val="80000"/>
+              <a:buFont typeface="Arial" pitchFamily="34" charset="0"/>
+              <a:buChar char="•"/>
+              <a:defRPr sz="2000" kern="1200" baseline="0">
+                <a:solidFill>
+                  <a:schemeClr val="tx1"/>
+                </a:solidFill>
+                <a:latin typeface="+mn-lt"/>
+                <a:ea typeface="+mn-ea"/>
+                <a:cs typeface="+mn-cs"/>
+              </a:defRPr>
+            </a:lvl9pPr>
+          </a:lstStyle>
+          <a:p>
             <a:r>
               <a:rPr lang="es-ES" dirty="0"/>
               <a:t>Introducción</a:t>
             </a:r>
           </a:p>
           <a:p>
-            <a:pPr rtl="0"/>
             <a:r>
               <a:rPr lang="es-ES" dirty="0"/>
-              <a:t>Ciclo de vida</a:t>
-            </a:r>
-          </a:p>
-          <a:p>
-            <a:pPr rtl="0"/>
-            <a:r>
-              <a:rPr lang="es-ES" dirty="0"/>
-              <a:t>Ámbito</a:t>
-            </a:r>
-          </a:p>
-          <a:p>
-            <a:pPr rtl="0"/>
+              <a:t>Ámbito y Ciclo de vida</a:t>
+            </a:r>
+          </a:p>
+          <a:p>
             <a:r>
               <a:rPr lang="es-ES" dirty="0"/>
               <a:t>Especificación de requisitos</a:t>
             </a:r>
           </a:p>
           <a:p>
-            <a:pPr rtl="0"/>
             <a:r>
               <a:rPr lang="es-ES" dirty="0"/>
               <a:t>Diagrama de Flujo de Datos (DFD)</a:t>
             </a:r>
           </a:p>
           <a:p>
-            <a:pPr rtl="0"/>
             <a:r>
               <a:rPr lang="es-ES" dirty="0"/>
               <a:t>Diagrama Entidad-Relación (E/R)</a:t>
             </a:r>
           </a:p>
           <a:p>
-            <a:pPr rtl="0"/>
             <a:r>
               <a:rPr lang="es-ES" dirty="0"/>
               <a:t>Casos de Uso</a:t>
+            </a:r>
+          </a:p>
+          <a:p>
+            <a:r>
+              <a:rPr lang="es-ES" dirty="0"/>
+              <a:t>Desarrollo del proyecto</a:t>
+            </a:r>
+          </a:p>
+          <a:p>
+            <a:r>
+              <a:rPr lang="es-ES" dirty="0"/>
+              <a:t>Bibliografía</a:t>
             </a:r>
           </a:p>
         </p:txBody>
@@ -8223,7 +8444,15 @@
             </a:pPr>
             <a:r>
               <a:rPr lang="es-ES" dirty="0"/>
-              <a:t>El proyecto de integración consiste en una aplicación web, que genera informes de las competiciones a partir de ficheros Excel para la RFESS (Real Federación Española de Salvamento y Socorrismo).</a:t>
+              <a:t>El proyecto de integración consiste en una aplicación web, que genera informes de las competiciones a partir de ficheros </a:t>
+            </a:r>
+            <a:r>
+              <a:rPr lang="es-ES" dirty="0" err="1"/>
+              <a:t>Csv</a:t>
+            </a:r>
+            <a:r>
+              <a:rPr lang="es-ES" dirty="0"/>
+              <a:t> para la RFESS (Real Federación Española de Salvamento y Socorrismo).</a:t>
             </a:r>
           </a:p>
         </p:txBody>
@@ -8642,7 +8871,15 @@
           <a:p>
             <a:r>
               <a:rPr lang="es-ES" dirty="0"/>
-              <a:t>Cargará los datos de un fichero “Excel”.</a:t>
+              <a:t>Cargará los datos de un fichero “</a:t>
+            </a:r>
+            <a:r>
+              <a:rPr lang="es-ES" dirty="0" err="1"/>
+              <a:t>Csv</a:t>
+            </a:r>
+            <a:r>
+              <a:rPr lang="es-ES" dirty="0"/>
+              <a:t>”.</a:t>
             </a:r>
           </a:p>
           <a:p>
@@ -8797,7 +9034,7 @@
           <a:p>
             <a:r>
               <a:rPr lang="es-ES" dirty="0"/>
-              <a:t>Generar informes por categoría, clasificados por genero, prueba y temporada de la competición.</a:t>
+              <a:t>Generar informes por categoría, clasificados por género, prueba y temporada de la competición.</a:t>
             </a:r>
           </a:p>
           <a:p>
@@ -10088,15 +10325,6 @@
 </file>
 
 <file path=customXml/item1.xml><?xml version="1.0" encoding="utf-8"?>
-<?mso-contentType ?>
-<FormTemplates xmlns="http://schemas.microsoft.com/sharepoint/v3/contenttype/forms">
-  <Display>DocumentLibraryForm</Display>
-  <Edit>AssetEditForm</Edit>
-  <New>DocumentLibraryForm</New>
-</FormTemplates>
-</file>
-
-<file path=customXml/item2.xml><?xml version="1.0" encoding="utf-8"?>
 <p:properties xmlns:p="http://schemas.microsoft.com/office/2006/metadata/properties" xmlns:xsi="http://www.w3.org/2001/XMLSchema-instance" xmlns:pc="http://schemas.microsoft.com/office/infopath/2007/PartnerControls">
   <documentManagement>
     <LocPublishedLinkedAssetsLookup xmlns="4873beb7-5857-4685-be1f-d57550cc96cc" xsi:nil="true"/>
@@ -10230,6 +10458,15 @@
     <LocMarketGroupTiers2 xmlns="4873beb7-5857-4685-be1f-d57550cc96cc" xsi:nil="true"/>
   </documentManagement>
 </p:properties>
+</file>
+
+<file path=customXml/item2.xml><?xml version="1.0" encoding="utf-8"?>
+<?mso-contentType ?>
+<FormTemplates xmlns="http://schemas.microsoft.com/sharepoint/v3/contenttype/forms">
+  <Display>DocumentLibraryForm</Display>
+  <Edit>AssetEditForm</Edit>
+  <New>DocumentLibraryForm</New>
+</FormTemplates>
 </file>
 
 <file path=customXml/item3.xml><?xml version="1.0" encoding="utf-8"?>
@@ -11273,14 +11510,6 @@
 </file>
 
 <file path=customXml/itemProps1.xml><?xml version="1.0" encoding="utf-8"?>
-<ds:datastoreItem xmlns:ds="http://schemas.openxmlformats.org/officeDocument/2006/customXml" ds:itemID="{3836F65B-1B07-41EE-A0E8-BC6EF3855225}">
-  <ds:schemaRefs>
-    <ds:schemaRef ds:uri="http://schemas.microsoft.com/sharepoint/v3/contenttype/forms"/>
-  </ds:schemaRefs>
-</ds:datastoreItem>
-</file>
-
-<file path=customXml/itemProps2.xml><?xml version="1.0" encoding="utf-8"?>
 <ds:datastoreItem xmlns:ds="http://schemas.openxmlformats.org/officeDocument/2006/customXml" ds:itemID="{60C67BEE-D13F-4BD2-98A5-34D8A0977F68}">
   <ds:schemaRefs>
     <ds:schemaRef ds:uri="4873beb7-5857-4685-be1f-d57550cc96cc"/>
@@ -11292,6 +11521,14 @@
     <ds:schemaRef ds:uri="http://schemas.microsoft.com/office/infopath/2007/PartnerControls"/>
     <ds:schemaRef ds:uri="http://www.w3.org/XML/1998/namespace"/>
     <ds:schemaRef ds:uri="http://purl.org/dc/dcmitype/"/>
+  </ds:schemaRefs>
+</ds:datastoreItem>
+</file>
+
+<file path=customXml/itemProps2.xml><?xml version="1.0" encoding="utf-8"?>
+<ds:datastoreItem xmlns:ds="http://schemas.openxmlformats.org/officeDocument/2006/customXml" ds:itemID="{3836F65B-1B07-41EE-A0E8-BC6EF3855225}">
+  <ds:schemaRefs>
+    <ds:schemaRef ds:uri="http://schemas.microsoft.com/sharepoint/v3/contenttype/forms"/>
   </ds:schemaRefs>
 </ds:datastoreItem>
 </file>

--- a/doc/Presentación/Generador de informes RFESS.pptx
+++ b/doc/Presentación/Generador de informes RFESS.pptx
@@ -259,8 +259,14 @@
                 <c:pt idx="4">
                   <c:v>43212</c:v>
                 </c:pt>
+                <c:pt idx="5">
+                  <c:v>43214</c:v>
+                </c:pt>
                 <c:pt idx="6">
                   <c:v>43227</c:v>
+                </c:pt>
+                <c:pt idx="7">
+                  <c:v>43182</c:v>
                 </c:pt>
               </c:numCache>
             </c:numRef>
@@ -351,13 +357,13 @@
                   <c:v>1</c:v>
                 </c:pt>
                 <c:pt idx="5">
-                  <c:v>0</c:v>
+                  <c:v>5</c:v>
                 </c:pt>
                 <c:pt idx="6">
                   <c:v>12</c:v>
                 </c:pt>
                 <c:pt idx="7">
-                  <c:v>0</c:v>
+                  <c:v>8</c:v>
                 </c:pt>
               </c:numCache>
             </c:numRef>
@@ -7640,7 +7646,7 @@
             <p:ph idx="1"/>
             <p:extLst>
               <p:ext uri="{D42A27DB-BD31-4B8C-83A1-F6EECF244321}">
-                <p14:modId xmlns:p14="http://schemas.microsoft.com/office/powerpoint/2010/main" val="1810019313"/>
+                <p14:modId xmlns:p14="http://schemas.microsoft.com/office/powerpoint/2010/main" val="1642782569"/>
               </p:ext>
             </p:extLst>
           </p:nvPr>
@@ -8874,13 +8880,10 @@
               <a:t>Cargará los datos de un fichero “</a:t>
             </a:r>
             <a:r>
-              <a:rPr lang="es-ES" dirty="0" err="1"/>
-              <a:t>Csv</a:t>
-            </a:r>
-            <a:r>
-              <a:rPr lang="es-ES" dirty="0"/>
-              <a:t>”.</a:t>
-            </a:r>
+              <a:rPr lang="es-ES" dirty="0" smtClean="0"/>
+              <a:t>CSV”.</a:t>
+            </a:r>
+            <a:endParaRPr lang="es-ES" dirty="0"/>
           </a:p>
           <a:p>
             <a:r>
@@ -10325,6 +10328,15 @@
 </file>
 
 <file path=customXml/item1.xml><?xml version="1.0" encoding="utf-8"?>
+<?mso-contentType ?>
+<FormTemplates xmlns="http://schemas.microsoft.com/sharepoint/v3/contenttype/forms">
+  <Display>DocumentLibraryForm</Display>
+  <Edit>AssetEditForm</Edit>
+  <New>DocumentLibraryForm</New>
+</FormTemplates>
+</file>
+
+<file path=customXml/item2.xml><?xml version="1.0" encoding="utf-8"?>
 <p:properties xmlns:p="http://schemas.microsoft.com/office/2006/metadata/properties" xmlns:xsi="http://www.w3.org/2001/XMLSchema-instance" xmlns:pc="http://schemas.microsoft.com/office/infopath/2007/PartnerControls">
   <documentManagement>
     <LocPublishedLinkedAssetsLookup xmlns="4873beb7-5857-4685-be1f-d57550cc96cc" xsi:nil="true"/>
@@ -10458,15 +10470,6 @@
     <LocMarketGroupTiers2 xmlns="4873beb7-5857-4685-be1f-d57550cc96cc" xsi:nil="true"/>
   </documentManagement>
 </p:properties>
-</file>
-
-<file path=customXml/item2.xml><?xml version="1.0" encoding="utf-8"?>
-<?mso-contentType ?>
-<FormTemplates xmlns="http://schemas.microsoft.com/sharepoint/v3/contenttype/forms">
-  <Display>DocumentLibraryForm</Display>
-  <Edit>AssetEditForm</Edit>
-  <New>DocumentLibraryForm</New>
-</FormTemplates>
 </file>
 
 <file path=customXml/item3.xml><?xml version="1.0" encoding="utf-8"?>
@@ -11510,6 +11513,14 @@
 </file>
 
 <file path=customXml/itemProps1.xml><?xml version="1.0" encoding="utf-8"?>
+<ds:datastoreItem xmlns:ds="http://schemas.openxmlformats.org/officeDocument/2006/customXml" ds:itemID="{3836F65B-1B07-41EE-A0E8-BC6EF3855225}">
+  <ds:schemaRefs>
+    <ds:schemaRef ds:uri="http://schemas.microsoft.com/sharepoint/v3/contenttype/forms"/>
+  </ds:schemaRefs>
+</ds:datastoreItem>
+</file>
+
+<file path=customXml/itemProps2.xml><?xml version="1.0" encoding="utf-8"?>
 <ds:datastoreItem xmlns:ds="http://schemas.openxmlformats.org/officeDocument/2006/customXml" ds:itemID="{60C67BEE-D13F-4BD2-98A5-34D8A0977F68}">
   <ds:schemaRefs>
     <ds:schemaRef ds:uri="4873beb7-5857-4685-be1f-d57550cc96cc"/>
@@ -11521,14 +11532,6 @@
     <ds:schemaRef ds:uri="http://schemas.microsoft.com/office/infopath/2007/PartnerControls"/>
     <ds:schemaRef ds:uri="http://www.w3.org/XML/1998/namespace"/>
     <ds:schemaRef ds:uri="http://purl.org/dc/dcmitype/"/>
-  </ds:schemaRefs>
-</ds:datastoreItem>
-</file>
-
-<file path=customXml/itemProps2.xml><?xml version="1.0" encoding="utf-8"?>
-<ds:datastoreItem xmlns:ds="http://schemas.openxmlformats.org/officeDocument/2006/customXml" ds:itemID="{3836F65B-1B07-41EE-A0E8-BC6EF3855225}">
-  <ds:schemaRefs>
-    <ds:schemaRef ds:uri="http://schemas.microsoft.com/sharepoint/v3/contenttype/forms"/>
   </ds:schemaRefs>
 </ds:datastoreItem>
 </file>
